--- a/spring13/slides13/genfuncintro.pptx
+++ b/spring13/slides13/genfuncintro.pptx
@@ -5,10 +5,10 @@
     <p:sldMasterId id="2147483650" r:id="rId1"/>
   </p:sldMasterIdLst>
   <p:notesMasterIdLst>
-    <p:notesMasterId r:id="rId14"/>
+    <p:notesMasterId r:id="rId17"/>
   </p:notesMasterIdLst>
   <p:handoutMasterIdLst>
-    <p:handoutMasterId r:id="rId15"/>
+    <p:handoutMasterId r:id="rId18"/>
   </p:handoutMasterIdLst>
   <p:sldIdLst>
     <p:sldId id="474" r:id="rId2"/>
@@ -21,13 +21,16 @@
     <p:sldId id="589" r:id="rId9"/>
     <p:sldId id="588" r:id="rId10"/>
     <p:sldId id="593" r:id="rId11"/>
-    <p:sldId id="594" r:id="rId12"/>
-    <p:sldId id="595" r:id="rId13"/>
+    <p:sldId id="598" r:id="rId12"/>
+    <p:sldId id="596" r:id="rId13"/>
+    <p:sldId id="594" r:id="rId14"/>
+    <p:sldId id="595" r:id="rId15"/>
+    <p:sldId id="597" r:id="rId16"/>
   </p:sldIdLst>
   <p:sldSz cx="9144000" cy="6858000" type="screen4x3"/>
   <p:notesSz cx="9601200" cy="7315200"/>
   <p:custDataLst>
-    <p:tags r:id="rId17"/>
+    <p:tags r:id="rId20"/>
   </p:custDataLst>
   <p:defaultTextStyle>
     <a:defPPr>
@@ -1016,7 +1019,269 @@
               <a:pPr>
                 <a:defRPr/>
               </a:pPr>
+              <a:t>11</a:t>
+            </a:fld>
+            <a:endParaRPr lang="en-US"/>
+          </a:p>
+        </p:txBody>
+      </p:sp>
+    </p:spTree>
+  </p:cSld>
+  <p:clrMapOvr>
+    <a:masterClrMapping/>
+  </p:clrMapOvr>
+</p:notes>
+</file>
+
+<file path=ppt/notesSlides/notesSlide11.xml><?xml version="1.0" encoding="utf-8"?>
+<p:notes xmlns:a="http://schemas.openxmlformats.org/drawingml/2006/main" xmlns:r="http://schemas.openxmlformats.org/officeDocument/2006/relationships" xmlns:p="http://schemas.openxmlformats.org/presentationml/2006/main">
+  <p:cSld>
+    <p:spTree>
+      <p:nvGrpSpPr>
+        <p:cNvPr id="1" name=""/>
+        <p:cNvGrpSpPr/>
+        <p:nvPr/>
+      </p:nvGrpSpPr>
+      <p:grpSpPr>
+        <a:xfrm>
+          <a:off x="0" y="0"/>
+          <a:ext cx="0" cy="0"/>
+          <a:chOff x="0" y="0"/>
+          <a:chExt cx="0" cy="0"/>
+        </a:xfrm>
+      </p:grpSpPr>
+      <p:sp>
+        <p:nvSpPr>
+          <p:cNvPr id="90114" name="Rectangle 7"/>
+          <p:cNvSpPr>
+            <a:spLocks noGrp="1" noChangeArrowheads="1"/>
+          </p:cNvSpPr>
+          <p:nvPr>
+            <p:ph type="sldNum" sz="quarter" idx="5"/>
+          </p:nvPr>
+        </p:nvSpPr>
+        <p:spPr>
+          <a:noFill/>
+        </p:spPr>
+        <p:txBody>
+          <a:bodyPr/>
+          <a:lstStyle/>
+          <a:p>
+            <a:fld id="{AFAB698F-4514-461E-B330-744F23C58AF2}" type="slidenum">
+              <a:rPr lang="en-US" smtClean="0"/>
+              <a:pPr/>
               <a:t>12</a:t>
+            </a:fld>
+            <a:endParaRPr lang="en-US" smtClean="0"/>
+          </a:p>
+        </p:txBody>
+      </p:sp>
+      <p:sp>
+        <p:nvSpPr>
+          <p:cNvPr id="90115" name="Rectangle 2"/>
+          <p:cNvSpPr>
+            <a:spLocks noGrp="1" noRot="1" noChangeAspect="1" noChangeArrowheads="1" noTextEdit="1"/>
+          </p:cNvSpPr>
+          <p:nvPr>
+            <p:ph type="sldImg"/>
+          </p:nvPr>
+        </p:nvSpPr>
+        <p:spPr>
+          <a:ln/>
+        </p:spPr>
+      </p:sp>
+      <p:sp>
+        <p:nvSpPr>
+          <p:cNvPr id="90116" name="Rectangle 3"/>
+          <p:cNvSpPr>
+            <a:spLocks noGrp="1" noChangeArrowheads="1"/>
+          </p:cNvSpPr>
+          <p:nvPr>
+            <p:ph type="body" idx="1"/>
+          </p:nvPr>
+        </p:nvSpPr>
+        <p:spPr>
+          <a:noFill/>
+          <a:ln/>
+        </p:spPr>
+        <p:txBody>
+          <a:bodyPr/>
+          <a:lstStyle/>
+          <a:p>
+            <a:pPr eaLnBrk="1" hangingPunct="1"/>
+            <a:endParaRPr lang="en-US" smtClean="0"/>
+          </a:p>
+        </p:txBody>
+      </p:sp>
+    </p:spTree>
+  </p:cSld>
+  <p:clrMapOvr>
+    <a:masterClrMapping/>
+  </p:clrMapOvr>
+</p:notes>
+</file>
+
+<file path=ppt/notesSlides/notesSlide12.xml><?xml version="1.0" encoding="utf-8"?>
+<p:notes xmlns:a="http://schemas.openxmlformats.org/drawingml/2006/main" xmlns:r="http://schemas.openxmlformats.org/officeDocument/2006/relationships" xmlns:p="http://schemas.openxmlformats.org/presentationml/2006/main">
+  <p:cSld>
+    <p:spTree>
+      <p:nvGrpSpPr>
+        <p:cNvPr id="1" name=""/>
+        <p:cNvGrpSpPr/>
+        <p:nvPr/>
+      </p:nvGrpSpPr>
+      <p:grpSpPr>
+        <a:xfrm>
+          <a:off x="0" y="0"/>
+          <a:ext cx="0" cy="0"/>
+          <a:chOff x="0" y="0"/>
+          <a:chExt cx="0" cy="0"/>
+        </a:xfrm>
+      </p:grpSpPr>
+      <p:sp>
+        <p:nvSpPr>
+          <p:cNvPr id="2" name="Slide Image Placeholder 1"/>
+          <p:cNvSpPr>
+            <a:spLocks noGrp="1" noRot="1" noChangeAspect="1"/>
+          </p:cNvSpPr>
+          <p:nvPr>
+            <p:ph type="sldImg"/>
+          </p:nvPr>
+        </p:nvSpPr>
+        <p:spPr/>
+      </p:sp>
+      <p:sp>
+        <p:nvSpPr>
+          <p:cNvPr id="3" name="Notes Placeholder 2"/>
+          <p:cNvSpPr>
+            <a:spLocks noGrp="1"/>
+          </p:cNvSpPr>
+          <p:nvPr>
+            <p:ph type="body" idx="1"/>
+          </p:nvPr>
+        </p:nvSpPr>
+        <p:spPr/>
+        <p:txBody>
+          <a:bodyPr>
+            <a:normAutofit/>
+          </a:bodyPr>
+          <a:lstStyle/>
+          <a:p>
+            <a:endParaRPr lang="en-US"/>
+          </a:p>
+        </p:txBody>
+      </p:sp>
+      <p:sp>
+        <p:nvSpPr>
+          <p:cNvPr id="4" name="Slide Number Placeholder 3"/>
+          <p:cNvSpPr>
+            <a:spLocks noGrp="1"/>
+          </p:cNvSpPr>
+          <p:nvPr>
+            <p:ph type="sldNum" sz="quarter" idx="10"/>
+          </p:nvPr>
+        </p:nvSpPr>
+        <p:spPr/>
+        <p:txBody>
+          <a:bodyPr/>
+          <a:lstStyle/>
+          <a:p>
+            <a:pPr>
+              <a:defRPr/>
+            </a:pPr>
+            <a:fld id="{E7625D05-B33F-4064-AC10-CB80748B6ABD}" type="slidenum">
+              <a:rPr lang="en-US" smtClean="0"/>
+              <a:pPr>
+                <a:defRPr/>
+              </a:pPr>
+              <a:t>14</a:t>
+            </a:fld>
+            <a:endParaRPr lang="en-US"/>
+          </a:p>
+        </p:txBody>
+      </p:sp>
+    </p:spTree>
+  </p:cSld>
+  <p:clrMapOvr>
+    <a:masterClrMapping/>
+  </p:clrMapOvr>
+</p:notes>
+</file>
+
+<file path=ppt/notesSlides/notesSlide13.xml><?xml version="1.0" encoding="utf-8"?>
+<p:notes xmlns:a="http://schemas.openxmlformats.org/drawingml/2006/main" xmlns:r="http://schemas.openxmlformats.org/officeDocument/2006/relationships" xmlns:p="http://schemas.openxmlformats.org/presentationml/2006/main">
+  <p:cSld>
+    <p:spTree>
+      <p:nvGrpSpPr>
+        <p:cNvPr id="1" name=""/>
+        <p:cNvGrpSpPr/>
+        <p:nvPr/>
+      </p:nvGrpSpPr>
+      <p:grpSpPr>
+        <a:xfrm>
+          <a:off x="0" y="0"/>
+          <a:ext cx="0" cy="0"/>
+          <a:chOff x="0" y="0"/>
+          <a:chExt cx="0" cy="0"/>
+        </a:xfrm>
+      </p:grpSpPr>
+      <p:sp>
+        <p:nvSpPr>
+          <p:cNvPr id="2" name="Slide Image Placeholder 1"/>
+          <p:cNvSpPr>
+            <a:spLocks noGrp="1" noRot="1" noChangeAspect="1"/>
+          </p:cNvSpPr>
+          <p:nvPr>
+            <p:ph type="sldImg"/>
+          </p:nvPr>
+        </p:nvSpPr>
+        <p:spPr/>
+      </p:sp>
+      <p:sp>
+        <p:nvSpPr>
+          <p:cNvPr id="3" name="Notes Placeholder 2"/>
+          <p:cNvSpPr>
+            <a:spLocks noGrp="1"/>
+          </p:cNvSpPr>
+          <p:nvPr>
+            <p:ph type="body" idx="1"/>
+          </p:nvPr>
+        </p:nvSpPr>
+        <p:spPr/>
+        <p:txBody>
+          <a:bodyPr>
+            <a:normAutofit/>
+          </a:bodyPr>
+          <a:lstStyle/>
+          <a:p>
+            <a:endParaRPr lang="en-US"/>
+          </a:p>
+        </p:txBody>
+      </p:sp>
+      <p:sp>
+        <p:nvSpPr>
+          <p:cNvPr id="4" name="Slide Number Placeholder 3"/>
+          <p:cNvSpPr>
+            <a:spLocks noGrp="1"/>
+          </p:cNvSpPr>
+          <p:nvPr>
+            <p:ph type="sldNum" sz="quarter" idx="10"/>
+          </p:nvPr>
+        </p:nvSpPr>
+        <p:spPr/>
+        <p:txBody>
+          <a:bodyPr/>
+          <a:lstStyle/>
+          <a:p>
+            <a:pPr>
+              <a:defRPr/>
+            </a:pPr>
+            <a:fld id="{E7625D05-B33F-4064-AC10-CB80748B6ABD}" type="slidenum">
+              <a:rPr lang="en-US" smtClean="0"/>
+              <a:pPr>
+                <a:defRPr/>
+              </a:pPr>
+              <a:t>15</a:t>
             </a:fld>
             <a:endParaRPr lang="en-US"/>
           </a:p>
@@ -1865,16 +2130,12 @@
               <a:defRPr/>
             </a:pPr>
             <a:r>
-              <a:rPr lang="en-US" dirty="0" err="1"/>
-              <a:t>lec</a:t>
-            </a:r>
-            <a:r>
-              <a:rPr lang="en-US" dirty="0"/>
-              <a:t> </a:t>
+              <a:rPr lang="en-US" dirty="0" err="1" smtClean="0"/>
+              <a:t>genfuncintro</a:t>
             </a:r>
             <a:r>
               <a:rPr lang="en-US" dirty="0" smtClean="0"/>
-              <a:t>11M.</a:t>
+              <a:t>.</a:t>
             </a:r>
             <a:fld id="{85CCA5FA-7AF2-4FFE-B037-37D536B56AFE}" type="slidenum">
               <a:rPr lang="en-US" smtClean="0"/>
@@ -1892,6 +2153,9 @@
   <p:clrMapOvr>
     <a:masterClrMapping/>
   </p:clrMapOvr>
+  <p:transition xmlns:p14="http://schemas.microsoft.com/office/powerpoint/2010/main" spd="slow" advClick="0">
+    <p:fade/>
+  </p:transition>
   <p:timing>
     <p:tnLst>
       <p:par>
@@ -2019,12 +2283,12 @@
               <a:defRPr/>
             </a:pPr>
             <a:r>
-              <a:rPr lang="en-US" dirty="0" err="1"/>
-              <a:t>lec</a:t>
+              <a:rPr lang="en-US" dirty="0" err="1" smtClean="0"/>
+              <a:t>genfuncintro</a:t>
             </a:r>
             <a:r>
               <a:rPr lang="en-US" dirty="0" smtClean="0"/>
-              <a:t> 11M.</a:t>
+              <a:t>.</a:t>
             </a:r>
             <a:fld id="{167FB316-D213-489C-8FDE-91E3356C5A60}" type="slidenum">
               <a:rPr lang="en-US" smtClean="0"/>
@@ -2042,6 +2306,9 @@
   <p:clrMapOvr>
     <a:masterClrMapping/>
   </p:clrMapOvr>
+  <p:transition xmlns:p14="http://schemas.microsoft.com/office/powerpoint/2010/main" spd="slow" advClick="0">
+    <p:fade/>
+  </p:transition>
   <p:timing>
     <p:tnLst>
       <p:par>
@@ -2117,12 +2384,12 @@
               <a:defRPr/>
             </a:pPr>
             <a:r>
-              <a:rPr lang="en-US" dirty="0" err="1"/>
-              <a:t>lec</a:t>
+              <a:rPr lang="en-US" dirty="0" err="1" smtClean="0"/>
+              <a:t>genfuncintro</a:t>
             </a:r>
             <a:r>
               <a:rPr lang="en-US" dirty="0" smtClean="0"/>
-              <a:t> 11M.</a:t>
+              <a:t>.</a:t>
             </a:r>
             <a:fld id="{A585D087-0720-40C8-BCB9-442D95888E3B}" type="slidenum">
               <a:rPr lang="en-US" smtClean="0"/>
@@ -2140,6 +2407,9 @@
   <p:clrMapOvr>
     <a:masterClrMapping/>
   </p:clrMapOvr>
+  <p:transition xmlns:p14="http://schemas.microsoft.com/office/powerpoint/2010/main" spd="slow" advClick="0">
+    <p:fade/>
+  </p:transition>
   <p:timing>
     <p:tnLst>
       <p:par>
@@ -2192,12 +2462,12 @@
               <a:defRPr/>
             </a:pPr>
             <a:r>
-              <a:rPr lang="en-US" dirty="0" err="1"/>
-              <a:t>lec</a:t>
+              <a:rPr lang="en-US" dirty="0" err="1" smtClean="0"/>
+              <a:t>genfuncintro</a:t>
             </a:r>
             <a:r>
               <a:rPr lang="en-US" dirty="0" smtClean="0"/>
-              <a:t> 11M.</a:t>
+              <a:t>.</a:t>
             </a:r>
             <a:fld id="{3E6AFCB8-BCAF-493D-8357-CF426FD28108}" type="slidenum">
               <a:rPr lang="en-US" smtClean="0"/>
@@ -2215,6 +2485,9 @@
   <p:clrMapOvr>
     <a:masterClrMapping/>
   </p:clrMapOvr>
+  <p:transition xmlns:p14="http://schemas.microsoft.com/office/powerpoint/2010/main" spd="slow" advClick="0">
+    <p:fade/>
+  </p:transition>
   <p:timing>
     <p:tnLst>
       <p:par>
@@ -2426,12 +2699,12 @@
               <a:defRPr/>
             </a:pPr>
             <a:r>
-              <a:rPr lang="en-US" dirty="0" err="1"/>
-              <a:t>lec</a:t>
+              <a:rPr lang="en-US" dirty="0" err="1" smtClean="0"/>
+              <a:t>genfuncintro</a:t>
             </a:r>
             <a:r>
               <a:rPr lang="en-US" dirty="0" smtClean="0"/>
-              <a:t> 11M.</a:t>
+              <a:t>.</a:t>
             </a:r>
             <a:fld id="{11D69C3C-9102-4DF1-90D9-901407515A97}" type="slidenum">
               <a:rPr lang="en-US" smtClean="0"/>
@@ -2449,6 +2722,9 @@
   <p:clrMapOvr>
     <a:masterClrMapping/>
   </p:clrMapOvr>
+  <p:transition xmlns:p14="http://schemas.microsoft.com/office/powerpoint/2010/main" spd="slow" advClick="0">
+    <p:fade/>
+  </p:transition>
   <p:timing>
     <p:tnLst>
       <p:par>
@@ -2641,11 +2917,11 @@
             </a:pPr>
             <a:r>
               <a:rPr lang="en-US" dirty="0" err="1" smtClean="0"/>
-              <a:t>lec</a:t>
+              <a:t>genfuncintro</a:t>
             </a:r>
             <a:r>
               <a:rPr lang="en-US" dirty="0" smtClean="0"/>
-              <a:t> 11M.</a:t>
+              <a:t>.</a:t>
             </a:r>
             <a:fld id="{17233D2A-0857-4415-88C1-423492E69A26}" type="slidenum">
               <a:rPr lang="en-US" smtClean="0"/>
@@ -2741,7 +3017,22 @@
                 <a:uFillTx/>
                 <a:latin typeface="Comic Sans MS" pitchFamily="66" charset="0"/>
               </a:rPr>
-              <a:t>Albert R Meyer,             April 23, 2011</a:t>
+              <a:t>Albert R Meyer,             April </a:t>
+            </a:r>
+            <a:r>
+              <a:rPr kumimoji="0" lang="en-US" sz="1200" b="0" i="0" u="none" strike="noStrike" kern="1200" cap="none" spc="0" normalizeH="0" baseline="0" noProof="0" dirty="0" smtClean="0">
+                <a:ln>
+                  <a:noFill/>
+                </a:ln>
+                <a:solidFill>
+                  <a:schemeClr val="tx1"/>
+                </a:solidFill>
+                <a:effectLst/>
+                <a:uLnTx/>
+                <a:uFillTx/>
+                <a:latin typeface="Comic Sans MS" pitchFamily="66" charset="0"/>
+              </a:rPr>
+              <a:t>26, 2013</a:t>
             </a:r>
             <a:endParaRPr kumimoji="0" lang="en-US" sz="1200" b="0" i="0" u="none" strike="noStrike" kern="1200" cap="none" spc="0" normalizeH="0" baseline="0" noProof="0" dirty="0">
               <a:ln>
@@ -2792,6 +3083,9 @@
     <p:sldLayoutId id="2147483657" r:id="rId4"/>
     <p:sldLayoutId id="2147483659" r:id="rId5"/>
   </p:sldLayoutIdLst>
+  <p:transition xmlns:p14="http://schemas.microsoft.com/office/powerpoint/2010/main" spd="slow" advClick="0">
+    <p:fade/>
+  </p:transition>
   <p:timing>
     <p:tnLst>
       <p:par>
@@ -3205,11 +3499,11 @@
           <a:p>
             <a:r>
               <a:rPr lang="en-US" dirty="0" err="1" smtClean="0"/>
-              <a:t>lec</a:t>
+              <a:t>genfuncintro</a:t>
             </a:r>
             <a:r>
               <a:rPr lang="en-US" dirty="0" smtClean="0"/>
-              <a:t> 11M.</a:t>
+              <a:t>.</a:t>
             </a:r>
             <a:fld id="{B20F91F6-F4EE-490C-AA68-F15A44211122}" type="slidenum">
               <a:rPr lang="en-US" smtClean="0"/>
@@ -3346,11 +3640,6 @@
               </a:rPr>
               <a:t>Functions</a:t>
             </a:r>
-            <a:endParaRPr lang="en-US" sz="7200" b="1" dirty="0" smtClean="0">
-              <a:solidFill>
-                <a:schemeClr val="tx2"/>
-              </a:solidFill>
-            </a:endParaRPr>
           </a:p>
         </p:txBody>
       </p:sp>
@@ -3359,6 +3648,14 @@
   <p:clrMapOvr>
     <a:masterClrMapping/>
   </p:clrMapOvr>
+  <mc:AlternateContent xmlns:mc="http://schemas.openxmlformats.org/markup-compatibility/2006">
+    <mc:Choice xmlns:p14="http://schemas.microsoft.com/office/powerpoint/2010/main" Requires="p14">
+      <p:transition p14:dur="0" advClick="0"/>
+    </mc:Choice>
+    <mc:Fallback>
+      <p:transition xmlns:p14="http://schemas.microsoft.com/office/powerpoint/2010/main" advClick="0"/>
+    </mc:Fallback>
+  </mc:AlternateContent>
   <p:timing>
     <p:tnLst>
       <p:par>
@@ -3406,11 +3703,11 @@
             </a:pPr>
             <a:r>
               <a:rPr lang="en-US" dirty="0" err="1" smtClean="0"/>
-              <a:t>lec</a:t>
+              <a:t>genfuncintro</a:t>
             </a:r>
             <a:r>
               <a:rPr lang="en-US" dirty="0" smtClean="0"/>
-              <a:t> 11M.</a:t>
+              <a:t>.</a:t>
             </a:r>
             <a:fld id="{167FB316-D213-489C-8FDE-91E3356C5A60}" type="slidenum">
               <a:rPr lang="en-US" smtClean="0"/>
@@ -3445,7 +3742,7 @@
           <a:graphicData uri="http://schemas.openxmlformats.org/presentationml/2006/ole">
             <mc:AlternateContent xmlns:mc="http://schemas.openxmlformats.org/markup-compatibility/2006">
               <mc:Choice xmlns:v="urn:schemas-microsoft-com:vml" Requires="v">
-                <p:oleObj spid="_x0000_s1053" name="Equation" r:id="rId4" imgW="2806700" imgH="1066800" progId="Equation.DSMT4">
+                <p:oleObj spid="_x0000_s1082" name="Equation" r:id="rId4" imgW="2806700" imgH="1066800" progId="Equation.DSMT4">
                   <p:embed/>
                 </p:oleObj>
               </mc:Choice>
@@ -3553,7 +3850,7 @@
             <a:graphicData uri="http://schemas.openxmlformats.org/presentationml/2006/ole">
               <mc:AlternateContent xmlns:mc="http://schemas.openxmlformats.org/markup-compatibility/2006">
                 <mc:Choice xmlns:v="urn:schemas-microsoft-com:vml" Requires="v">
-                  <p:oleObj spid="_x0000_s1054" name="Equation" r:id="rId6" imgW="1066680" imgH="342720" progId="Equation.DSMT4">
+                  <p:oleObj spid="_x0000_s1083" name="Equation" r:id="rId6" imgW="1066680" imgH="342720" progId="Equation.DSMT4">
                     <p:embed/>
                   </p:oleObj>
                 </mc:Choice>
@@ -3631,13 +3928,8 @@
             <a:pPr eaLnBrk="1" hangingPunct="1"/>
             <a:r>
               <a:rPr lang="en-US" dirty="0" smtClean="0"/>
-              <a:t>Infinite Geometric </a:t>
-            </a:r>
-            <a:r>
-              <a:rPr lang="en-US" dirty="0" smtClean="0"/>
-              <a:t>Series</a:t>
-            </a:r>
-            <a:endParaRPr lang="en-US" dirty="0" smtClean="0"/>
+              <a:t>Infinite Geometric Series</a:t>
+            </a:r>
           </a:p>
         </p:txBody>
       </p:sp>
@@ -3650,25 +3942,25 @@
           <p:nvPr>
             <p:extLst>
               <p:ext uri="{D42A27DB-BD31-4B8C-83A1-F6EECF244321}">
-                <p14:modId xmlns:p14="http://schemas.microsoft.com/office/powerpoint/2010/main" val="1256951954"/>
+                <p14:modId xmlns:p14="http://schemas.microsoft.com/office/powerpoint/2010/main" val="4106511030"/>
               </p:ext>
             </p:extLst>
           </p:nvPr>
         </p:nvGraphicFramePr>
         <p:xfrm>
-          <a:off x="381000" y="3163324"/>
-          <a:ext cx="8229600" cy="1027676"/>
+          <a:off x="841375" y="3163888"/>
+          <a:ext cx="7308850" cy="1027112"/>
         </p:xfrm>
         <a:graphic>
           <a:graphicData uri="http://schemas.openxmlformats.org/presentationml/2006/ole">
             <mc:AlternateContent xmlns:mc="http://schemas.openxmlformats.org/markup-compatibility/2006">
               <mc:Choice xmlns:v="urn:schemas-microsoft-com:vml" Requires="v">
-                <p:oleObj spid="_x0000_s1055" name="Equation" r:id="rId8" imgW="1930400" imgH="241300" progId="Equation.DSMT4">
+                <p:oleObj spid="_x0000_s1084" name="Equation" r:id="rId8" imgW="1714500" imgH="241300" progId="Equation.DSMT4">
                   <p:embed/>
                 </p:oleObj>
               </mc:Choice>
               <mc:Fallback>
-                <p:oleObj name="Equation" r:id="rId8" imgW="1930400" imgH="241300" progId="Equation.DSMT4">
+                <p:oleObj name="Equation" r:id="rId8" imgW="1714500" imgH="241300" progId="Equation.DSMT4">
                   <p:embed/>
                   <p:pic>
                     <p:nvPicPr>
@@ -3684,8 +3976,8 @@
                     </p:blipFill>
                     <p:spPr>
                       <a:xfrm>
-                        <a:off x="381000" y="3163324"/>
-                        <a:ext cx="8229600" cy="1027676"/>
+                        <a:off x="841375" y="3163888"/>
+                        <a:ext cx="7308850" cy="1027112"/>
                       </a:xfrm>
                       <a:prstGeom prst="rect">
                         <a:avLst/>
@@ -3707,20 +3999,20 @@
           <p:nvPr>
             <p:extLst>
               <p:ext uri="{D42A27DB-BD31-4B8C-83A1-F6EECF244321}">
-                <p14:modId xmlns:p14="http://schemas.microsoft.com/office/powerpoint/2010/main" val="2216953914"/>
+                <p14:modId xmlns:p14="http://schemas.microsoft.com/office/powerpoint/2010/main" val="4106239237"/>
               </p:ext>
             </p:extLst>
           </p:nvPr>
         </p:nvGraphicFramePr>
         <p:xfrm>
-          <a:off x="3276600" y="4191000"/>
-          <a:ext cx="2438400" cy="1990530"/>
+          <a:off x="3124200" y="4191000"/>
+          <a:ext cx="2743200" cy="2114938"/>
         </p:xfrm>
         <a:graphic>
           <a:graphicData uri="http://schemas.openxmlformats.org/presentationml/2006/ole">
             <mc:AlternateContent xmlns:mc="http://schemas.openxmlformats.org/markup-compatibility/2006">
               <mc:Choice xmlns:v="urn:schemas-microsoft-com:vml" Requires="v">
-                <p:oleObj spid="_x0000_s1056" name="Equation" r:id="rId10" imgW="622300" imgH="444500" progId="Equation.DSMT4">
+                <p:oleObj spid="_x0000_s1085" name="Equation" r:id="rId10" imgW="622300" imgH="444500" progId="Equation.DSMT4">
                   <p:embed/>
                 </p:oleObj>
               </mc:Choice>
@@ -3741,8 +4033,8 @@
                     </p:blipFill>
                     <p:spPr>
                       <a:xfrm>
-                        <a:off x="3276600" y="4191000"/>
-                        <a:ext cx="2438400" cy="1990530"/>
+                        <a:off x="3124200" y="4191000"/>
+                        <a:ext cx="2743200" cy="2114938"/>
                       </a:xfrm>
                       <a:prstGeom prst="rect">
                         <a:avLst/>
@@ -3765,14 +4057,9 @@
   <p:clrMapOvr>
     <a:masterClrMapping/>
   </p:clrMapOvr>
-  <mc:AlternateContent xmlns:mc="http://schemas.openxmlformats.org/markup-compatibility/2006">
-    <mc:Choice xmlns:p14="http://schemas.microsoft.com/office/powerpoint/2010/main" Requires="p14">
-      <p:transition spd="slow" p14:dur="2000"/>
-    </mc:Choice>
-    <mc:Fallback>
-      <p:transition xmlns:p14="http://schemas.microsoft.com/office/powerpoint/2010/main" spd="slow"/>
-    </mc:Fallback>
-  </mc:AlternateContent>
+  <p:transition xmlns:p14="http://schemas.microsoft.com/office/powerpoint/2010/main" spd="slow" advClick="0">
+    <p:fade/>
+  </p:transition>
   <p:timing>
     <p:tnLst>
       <p:par>
@@ -3785,6 +4072,9 @@
                     <p:cTn id="3" fill="hold">
                       <p:stCondLst>
                         <p:cond delay="indefinite"/>
+                        <p:cond evt="onBegin" delay="0">
+                          <p:tn val="2"/>
+                        </p:cond>
                       </p:stCondLst>
                       <p:childTnLst>
                         <p:par>
@@ -3794,7 +4084,7 @@
                             </p:stCondLst>
                             <p:childTnLst>
                               <p:par>
-                                <p:cTn id="5" presetID="53" presetClass="entr" presetSubtype="0" fill="hold" nodeType="clickEffect">
+                                <p:cTn id="5" presetID="22" presetClass="entr" presetSubtype="8" fill="hold" nodeType="afterEffect">
                                   <p:stCondLst>
                                     <p:cond delay="0"/>
                                   </p:stCondLst>
@@ -3807,7 +4097,7 @@
                                           </p:stCondLst>
                                         </p:cTn>
                                         <p:tgtEl>
-                                          <p:spTgt spid="13"/>
+                                          <p:spTgt spid="10"/>
                                         </p:tgtEl>
                                         <p:attrNameLst>
                                           <p:attrName>style.visibility</p:attrName>
@@ -3817,57 +4107,64 @@
                                         <p:strVal val="visible"/>
                                       </p:to>
                                     </p:set>
-                                    <p:anim calcmode="lin" valueType="num">
+                                    <p:animEffect transition="in" filter="wipe(left)">
                                       <p:cBhvr>
-                                        <p:cTn id="7" dur="500" fill="hold"/>
+                                        <p:cTn id="7" dur="1000"/>
                                         <p:tgtEl>
-                                          <p:spTgt spid="13"/>
+                                          <p:spTgt spid="10"/>
+                                        </p:tgtEl>
+                                      </p:cBhvr>
+                                    </p:animEffect>
+                                  </p:childTnLst>
+                                </p:cTn>
+                              </p:par>
+                            </p:childTnLst>
+                          </p:cTn>
+                        </p:par>
+                      </p:childTnLst>
+                    </p:cTn>
+                  </p:par>
+                  <p:par>
+                    <p:cTn id="8" fill="hold">
+                      <p:stCondLst>
+                        <p:cond delay="indefinite"/>
+                      </p:stCondLst>
+                      <p:childTnLst>
+                        <p:par>
+                          <p:cTn id="9" fill="hold">
+                            <p:stCondLst>
+                              <p:cond delay="0"/>
+                            </p:stCondLst>
+                            <p:childTnLst>
+                              <p:par>
+                                <p:cTn id="10" presetID="10" presetClass="entr" presetSubtype="0" fill="hold" nodeType="clickEffect">
+                                  <p:stCondLst>
+                                    <p:cond delay="0"/>
+                                  </p:stCondLst>
+                                  <p:childTnLst>
+                                    <p:set>
+                                      <p:cBhvr>
+                                        <p:cTn id="11" dur="1" fill="hold">
+                                          <p:stCondLst>
+                                            <p:cond delay="0"/>
+                                          </p:stCondLst>
+                                        </p:cTn>
+                                        <p:tgtEl>
+                                          <p:spTgt spid="2"/>
                                         </p:tgtEl>
                                         <p:attrNameLst>
-                                          <p:attrName>ppt_w</p:attrName>
+                                          <p:attrName>style.visibility</p:attrName>
                                         </p:attrNameLst>
                                       </p:cBhvr>
-                                      <p:tavLst>
-                                        <p:tav tm="0">
-                                          <p:val>
-                                            <p:fltVal val="0"/>
-                                          </p:val>
-                                        </p:tav>
-                                        <p:tav tm="100000">
-                                          <p:val>
-                                            <p:strVal val="#ppt_w"/>
-                                          </p:val>
-                                        </p:tav>
-                                      </p:tavLst>
-                                    </p:anim>
-                                    <p:anim calcmode="lin" valueType="num">
-                                      <p:cBhvr>
-                                        <p:cTn id="8" dur="500" fill="hold"/>
-                                        <p:tgtEl>
-                                          <p:spTgt spid="13"/>
-                                        </p:tgtEl>
-                                        <p:attrNameLst>
-                                          <p:attrName>ppt_h</p:attrName>
-                                        </p:attrNameLst>
-                                      </p:cBhvr>
-                                      <p:tavLst>
-                                        <p:tav tm="0">
-                                          <p:val>
-                                            <p:fltVal val="0"/>
-                                          </p:val>
-                                        </p:tav>
-                                        <p:tav tm="100000">
-                                          <p:val>
-                                            <p:strVal val="#ppt_h"/>
-                                          </p:val>
-                                        </p:tav>
-                                      </p:tavLst>
-                                    </p:anim>
+                                      <p:to>
+                                        <p:strVal val="visible"/>
+                                      </p:to>
+                                    </p:set>
                                     <p:animEffect transition="in" filter="fade">
                                       <p:cBhvr>
-                                        <p:cTn id="9" dur="500"/>
+                                        <p:cTn id="12" dur="500"/>
                                         <p:tgtEl>
-                                          <p:spTgt spid="13"/>
+                                          <p:spTgt spid="2"/>
                                         </p:tgtEl>
                                       </p:cBhvr>
                                     </p:animEffect>
@@ -3941,8 +4238,12 @@
               <a:defRPr/>
             </a:pPr>
             <a:r>
-              <a:rPr lang="en-US" smtClean="0"/>
-              <a:t>lec 11M.</a:t>
+              <a:rPr lang="en-US" dirty="0" err="1" smtClean="0"/>
+              <a:t>genfuncintro</a:t>
+            </a:r>
+            <a:r>
+              <a:rPr lang="en-US" dirty="0" smtClean="0"/>
+              <a:t>.</a:t>
             </a:r>
             <a:fld id="{167FB316-D213-489C-8FDE-91E3356C5A60}" type="slidenum">
               <a:rPr lang="en-US" smtClean="0"/>
@@ -3950,6 +4251,850 @@
                 <a:defRPr/>
               </a:pPr>
               <a:t>11</a:t>
+            </a:fld>
+            <a:endParaRPr lang="en-US" dirty="0"/>
+          </a:p>
+        </p:txBody>
+      </p:sp>
+      <p:graphicFrame>
+        <p:nvGraphicFramePr>
+          <p:cNvPr id="7" name="Object 6"/>
+          <p:cNvGraphicFramePr>
+            <a:graphicFrameLocks noChangeAspect="1"/>
+          </p:cNvGraphicFramePr>
+          <p:nvPr>
+            <p:extLst>
+              <p:ext uri="{D42A27DB-BD31-4B8C-83A1-F6EECF244321}">
+                <p14:modId xmlns:p14="http://schemas.microsoft.com/office/powerpoint/2010/main" val="2619509014"/>
+              </p:ext>
+            </p:extLst>
+          </p:nvPr>
+        </p:nvGraphicFramePr>
+        <p:xfrm>
+          <a:off x="969963" y="1884363"/>
+          <a:ext cx="3460750" cy="1316037"/>
+        </p:xfrm>
+        <a:graphic>
+          <a:graphicData uri="http://schemas.openxmlformats.org/presentationml/2006/ole">
+            <mc:AlternateContent xmlns:mc="http://schemas.openxmlformats.org/markup-compatibility/2006">
+              <mc:Choice xmlns:v="urn:schemas-microsoft-com:vml" Requires="v">
+                <p:oleObj spid="_x0000_s345097" name="Equation" r:id="rId4" imgW="2806700" imgH="1066800" progId="Equation.DSMT4">
+                  <p:embed/>
+                </p:oleObj>
+              </mc:Choice>
+              <mc:Fallback>
+                <p:oleObj name="Equation" r:id="rId4" imgW="2806700" imgH="1066800" progId="Equation.DSMT4">
+                  <p:embed/>
+                  <p:pic>
+                    <p:nvPicPr>
+                      <p:cNvPr id="0" name=""/>
+                      <p:cNvPicPr>
+                        <a:picLocks noChangeAspect="1" noChangeArrowheads="1"/>
+                      </p:cNvPicPr>
+                      <p:nvPr/>
+                    </p:nvPicPr>
+                    <p:blipFill>
+                      <a:blip r:embed="rId5"/>
+                      <a:srcRect/>
+                      <a:stretch>
+                        <a:fillRect/>
+                      </a:stretch>
+                    </p:blipFill>
+                    <p:spPr bwMode="auto">
+                      <a:xfrm>
+                        <a:off x="969963" y="1884363"/>
+                        <a:ext cx="3460750" cy="1316037"/>
+                      </a:xfrm>
+                      <a:prstGeom prst="rect">
+                        <a:avLst/>
+                      </a:prstGeom>
+                      <a:noFill/>
+                      <a:extLst>
+                        <a:ext uri="{909E8E84-426E-40dd-AFC4-6F175D3DCCD1}">
+                          <a14:hiddenFill xmlns:a14="http://schemas.microsoft.com/office/drawing/2010/main">
+                            <a:solidFill>
+                              <a:srgbClr val="FFFFFF"/>
+                            </a:solidFill>
+                          </a14:hiddenFill>
+                        </a:ext>
+                      </a:extLst>
+                    </p:spPr>
+                  </p:pic>
+                </p:oleObj>
+              </mc:Fallback>
+            </mc:AlternateContent>
+          </a:graphicData>
+        </a:graphic>
+      </p:graphicFrame>
+      <p:grpSp>
+        <p:nvGrpSpPr>
+          <p:cNvPr id="13" name="Group 12"/>
+          <p:cNvGrpSpPr/>
+          <p:nvPr/>
+        </p:nvGrpSpPr>
+        <p:grpSpPr>
+          <a:xfrm>
+            <a:off x="4382816" y="1219200"/>
+            <a:ext cx="3770584" cy="1524000"/>
+            <a:chOff x="2895600" y="1524000"/>
+            <a:chExt cx="3770584" cy="1524000"/>
+          </a:xfrm>
+        </p:grpSpPr>
+        <p:sp>
+          <p:nvSpPr>
+            <p:cNvPr id="8" name="TextBox 7"/>
+            <p:cNvSpPr txBox="1"/>
+            <p:nvPr/>
+          </p:nvSpPr>
+          <p:spPr>
+            <a:xfrm>
+              <a:off x="2895600" y="1524000"/>
+              <a:ext cx="3770584" cy="646331"/>
+            </a:xfrm>
+            <a:prstGeom prst="rect">
+              <a:avLst/>
+            </a:prstGeom>
+            <a:noFill/>
+          </p:spPr>
+          <p:txBody>
+            <a:bodyPr wrap="none" rtlCol="0">
+              <a:spAutoFit/>
+            </a:bodyPr>
+            <a:lstStyle/>
+            <a:p>
+              <a:r>
+                <a:rPr lang="en-US" sz="3600" dirty="0" smtClean="0"/>
+                <a:t>“corresponds to”</a:t>
+              </a:r>
+              <a:endParaRPr lang="en-US" sz="3600" dirty="0"/>
+            </a:p>
+          </p:txBody>
+        </p:sp>
+        <p:graphicFrame>
+          <p:nvGraphicFramePr>
+            <p:cNvPr id="12" name="Object 11"/>
+            <p:cNvGraphicFramePr>
+              <a:graphicFrameLocks noChangeAspect="1"/>
+            </p:cNvGraphicFramePr>
+            <p:nvPr/>
+          </p:nvGraphicFramePr>
+          <p:xfrm>
+            <a:off x="4191000" y="2705100"/>
+            <a:ext cx="1066800" cy="342900"/>
+          </p:xfrm>
+          <a:graphic>
+            <a:graphicData uri="http://schemas.openxmlformats.org/presentationml/2006/ole">
+              <mc:AlternateContent xmlns:mc="http://schemas.openxmlformats.org/markup-compatibility/2006">
+                <mc:Choice xmlns:v="urn:schemas-microsoft-com:vml" Requires="v">
+                  <p:oleObj spid="_x0000_s345098" name="Equation" r:id="rId6" imgW="1066680" imgH="342720" progId="Equation.DSMT4">
+                    <p:embed/>
+                  </p:oleObj>
+                </mc:Choice>
+                <mc:Fallback>
+                  <p:oleObj name="Equation" r:id="rId6" imgW="1066680" imgH="342720" progId="Equation.DSMT4">
+                    <p:embed/>
+                    <p:pic>
+                      <p:nvPicPr>
+                        <p:cNvPr id="0" name=""/>
+                        <p:cNvPicPr>
+                          <a:picLocks noChangeAspect="1" noChangeArrowheads="1"/>
+                        </p:cNvPicPr>
+                        <p:nvPr/>
+                      </p:nvPicPr>
+                      <p:blipFill>
+                        <a:blip r:embed="rId7">
+                          <a:extLst>
+                            <a:ext uri="{28A0092B-C50C-407E-A947-70E740481C1C}">
+                              <a14:useLocalDpi xmlns:a14="http://schemas.microsoft.com/office/drawing/2010/main" val="0"/>
+                            </a:ext>
+                          </a:extLst>
+                        </a:blip>
+                        <a:srcRect/>
+                        <a:stretch>
+                          <a:fillRect/>
+                        </a:stretch>
+                      </p:blipFill>
+                      <p:spPr bwMode="auto">
+                        <a:xfrm>
+                          <a:off x="4191000" y="2705100"/>
+                          <a:ext cx="1066800" cy="342900"/>
+                        </a:xfrm>
+                        <a:prstGeom prst="rect">
+                          <a:avLst/>
+                        </a:prstGeom>
+                        <a:noFill/>
+                        <a:extLst>
+                          <a:ext uri="{909E8E84-426E-40dd-AFC4-6F175D3DCCD1}">
+                            <a14:hiddenFill xmlns:a14="http://schemas.microsoft.com/office/drawing/2010/main">
+                              <a:solidFill>
+                                <a:srgbClr val="FFFFFF"/>
+                              </a:solidFill>
+                            </a14:hiddenFill>
+                          </a:ext>
+                        </a:extLst>
+                      </p:spPr>
+                    </p:pic>
+                  </p:oleObj>
+                </mc:Fallback>
+              </mc:AlternateContent>
+            </a:graphicData>
+          </a:graphic>
+        </p:graphicFrame>
+      </p:grpSp>
+      <p:graphicFrame>
+        <p:nvGraphicFramePr>
+          <p:cNvPr id="2" name="Object 1"/>
+          <p:cNvGraphicFramePr>
+            <a:graphicFrameLocks noChangeAspect="1"/>
+          </p:cNvGraphicFramePr>
+          <p:nvPr>
+            <p:extLst>
+              <p:ext uri="{D42A27DB-BD31-4B8C-83A1-F6EECF244321}">
+                <p14:modId xmlns:p14="http://schemas.microsoft.com/office/powerpoint/2010/main" val="2607322623"/>
+              </p:ext>
+            </p:extLst>
+          </p:nvPr>
+        </p:nvGraphicFramePr>
+        <p:xfrm>
+          <a:off x="3124200" y="4191000"/>
+          <a:ext cx="2743200" cy="2114938"/>
+        </p:xfrm>
+        <a:graphic>
+          <a:graphicData uri="http://schemas.openxmlformats.org/presentationml/2006/ole">
+            <mc:AlternateContent xmlns:mc="http://schemas.openxmlformats.org/markup-compatibility/2006">
+              <mc:Choice xmlns:v="urn:schemas-microsoft-com:vml" Requires="v">
+                <p:oleObj spid="_x0000_s345099" name="Equation" r:id="rId8" imgW="622300" imgH="444500" progId="Equation.DSMT4">
+                  <p:embed/>
+                </p:oleObj>
+              </mc:Choice>
+              <mc:Fallback>
+                <p:oleObj name="Equation" r:id="rId8" imgW="622300" imgH="444500" progId="Equation.DSMT4">
+                  <p:embed/>
+                  <p:pic>
+                    <p:nvPicPr>
+                      <p:cNvPr id="0" name=""/>
+                      <p:cNvPicPr/>
+                      <p:nvPr/>
+                    </p:nvPicPr>
+                    <p:blipFill>
+                      <a:blip r:embed="rId9"/>
+                      <a:stretch>
+                        <a:fillRect/>
+                      </a:stretch>
+                    </p:blipFill>
+                    <p:spPr>
+                      <a:xfrm>
+                        <a:off x="3124200" y="4191000"/>
+                        <a:ext cx="2743200" cy="2114938"/>
+                      </a:xfrm>
+                      <a:prstGeom prst="rect">
+                        <a:avLst/>
+                      </a:prstGeom>
+                    </p:spPr>
+                  </p:pic>
+                </p:oleObj>
+              </mc:Fallback>
+            </mc:AlternateContent>
+          </a:graphicData>
+        </a:graphic>
+      </p:graphicFrame>
+      <p:sp>
+        <p:nvSpPr>
+          <p:cNvPr id="11" name="Rectangle 2"/>
+          <p:cNvSpPr>
+            <a:spLocks noGrp="1" noChangeArrowheads="1"/>
+          </p:cNvSpPr>
+          <p:nvPr>
+            <p:ph type="title"/>
+          </p:nvPr>
+        </p:nvSpPr>
+        <p:spPr>
+          <a:xfrm>
+            <a:off x="1447800" y="304800"/>
+            <a:ext cx="7543800" cy="1143000"/>
+          </a:xfrm>
+        </p:spPr>
+        <p:txBody>
+          <a:bodyPr/>
+          <a:lstStyle/>
+          <a:p>
+            <a:pPr eaLnBrk="1" hangingPunct="1"/>
+            <a:r>
+              <a:rPr lang="en-US" sz="4400" dirty="0" smtClean="0"/>
+              <a:t>Gen </a:t>
+            </a:r>
+            <a:r>
+              <a:rPr lang="en-US" sz="4400" dirty="0" err="1" smtClean="0"/>
+              <a:t>Func</a:t>
+            </a:r>
+            <a:r>
+              <a:rPr lang="en-US" sz="4400" dirty="0" smtClean="0"/>
+              <a:t> for</a:t>
+            </a:r>
+            <a:r>
+              <a:rPr lang="en-US" dirty="0" smtClean="0"/>
+              <a:t> </a:t>
+            </a:r>
+            <a:endParaRPr lang="en-US" dirty="0" smtClean="0"/>
+          </a:p>
+        </p:txBody>
+      </p:sp>
+      <p:graphicFrame>
+        <p:nvGraphicFramePr>
+          <p:cNvPr id="15" name="Object 14"/>
+          <p:cNvGraphicFramePr>
+            <a:graphicFrameLocks noChangeAspect="1"/>
+          </p:cNvGraphicFramePr>
+          <p:nvPr>
+            <p:extLst>
+              <p:ext uri="{D42A27DB-BD31-4B8C-83A1-F6EECF244321}">
+                <p14:modId xmlns:p14="http://schemas.microsoft.com/office/powerpoint/2010/main" val="3928172430"/>
+              </p:ext>
+            </p:extLst>
+          </p:nvPr>
+        </p:nvGraphicFramePr>
+        <p:xfrm>
+          <a:off x="5257800" y="152400"/>
+          <a:ext cx="1143000" cy="1143000"/>
+        </p:xfrm>
+        <a:graphic>
+          <a:graphicData uri="http://schemas.openxmlformats.org/presentationml/2006/ole">
+            <mc:AlternateContent xmlns:mc="http://schemas.openxmlformats.org/markup-compatibility/2006">
+              <mc:Choice xmlns:v="urn:schemas-microsoft-com:vml" Requires="v">
+                <p:oleObj spid="_x0000_s345100" name="Equation" r:id="rId10" imgW="215900" imgH="215900" progId="Equation.DSMT4">
+                  <p:embed/>
+                </p:oleObj>
+              </mc:Choice>
+              <mc:Fallback>
+                <p:oleObj name="Equation" r:id="rId10" imgW="215900" imgH="215900" progId="Equation.DSMT4">
+                  <p:embed/>
+                  <p:pic>
+                    <p:nvPicPr>
+                      <p:cNvPr id="0" name=""/>
+                      <p:cNvPicPr/>
+                      <p:nvPr/>
+                    </p:nvPicPr>
+                    <p:blipFill>
+                      <a:blip r:embed="rId11"/>
+                      <a:stretch>
+                        <a:fillRect/>
+                      </a:stretch>
+                    </p:blipFill>
+                    <p:spPr>
+                      <a:xfrm>
+                        <a:off x="5257800" y="152400"/>
+                        <a:ext cx="1143000" cy="1143000"/>
+                      </a:xfrm>
+                      <a:prstGeom prst="rect">
+                        <a:avLst/>
+                      </a:prstGeom>
+                    </p:spPr>
+                  </p:pic>
+                </p:oleObj>
+              </mc:Fallback>
+            </mc:AlternateContent>
+          </a:graphicData>
+        </a:graphic>
+      </p:graphicFrame>
+    </p:spTree>
+    <p:extLst>
+      <p:ext uri="{BB962C8B-B14F-4D97-AF65-F5344CB8AC3E}">
+        <p14:creationId xmlns:p14="http://schemas.microsoft.com/office/powerpoint/2010/main" val="3031518207"/>
+      </p:ext>
+    </p:extLst>
+  </p:cSld>
+  <p:clrMapOvr>
+    <a:masterClrMapping/>
+  </p:clrMapOvr>
+  <p:transition xmlns:p14="http://schemas.microsoft.com/office/powerpoint/2010/main" spd="slow" advClick="0">
+    <p:fade/>
+  </p:transition>
+  <p:timing>
+    <p:tnLst>
+      <p:par>
+        <p:cTn xmlns:p14="http://schemas.microsoft.com/office/powerpoint/2010/main" id="1" dur="indefinite" restart="never" nodeType="tmRoot"/>
+      </p:par>
+    </p:tnLst>
+  </p:timing>
+</p:sld>
+</file>
+
+<file path=ppt/slides/slide12.xml><?xml version="1.0" encoding="utf-8"?>
+<p:sld xmlns:a="http://schemas.openxmlformats.org/drawingml/2006/main" xmlns:r="http://schemas.openxmlformats.org/officeDocument/2006/relationships" xmlns:p="http://schemas.openxmlformats.org/presentationml/2006/main" showMasterPhAnim="0">
+  <p:cSld>
+    <p:spTree>
+      <p:nvGrpSpPr>
+        <p:cNvPr id="1" name=""/>
+        <p:cNvGrpSpPr/>
+        <p:nvPr/>
+      </p:nvGrpSpPr>
+      <p:grpSpPr>
+        <a:xfrm>
+          <a:off x="0" y="0"/>
+          <a:ext cx="0" cy="0"/>
+          <a:chOff x="0" y="0"/>
+          <a:chExt cx="0" cy="0"/>
+        </a:xfrm>
+      </p:grpSpPr>
+      <p:sp>
+        <p:nvSpPr>
+          <p:cNvPr id="10" name="Rectangle 9"/>
+          <p:cNvSpPr/>
+          <p:nvPr/>
+        </p:nvSpPr>
+        <p:spPr bwMode="auto">
+          <a:xfrm>
+            <a:off x="1143000" y="2438400"/>
+            <a:ext cx="6629400" cy="1828800"/>
+          </a:xfrm>
+          <a:prstGeom prst="rect">
+            <a:avLst/>
+          </a:prstGeom>
+          <a:solidFill>
+            <a:schemeClr val="accent1">
+              <a:alpha val="0"/>
+            </a:schemeClr>
+          </a:solidFill>
+          <a:ln w="41275" cap="flat" cmpd="sng" algn="ctr">
+            <a:solidFill>
+              <a:srgbClr val="FF00FF"/>
+            </a:solidFill>
+            <a:prstDash val="sysDash"/>
+            <a:round/>
+            <a:headEnd type="none" w="med" len="med"/>
+            <a:tailEnd type="none" w="med" len="med"/>
+          </a:ln>
+          <a:effectLst/>
+        </p:spPr>
+        <p:txBody>
+          <a:bodyPr vert="horz" wrap="square" lIns="91440" tIns="45720" rIns="91440" bIns="45720" numCol="1" rtlCol="0" anchor="t" anchorCtr="0" compatLnSpc="1">
+            <a:prstTxWarp prst="textNoShape">
+              <a:avLst/>
+            </a:prstTxWarp>
+          </a:bodyPr>
+          <a:lstStyle/>
+          <a:p>
+            <a:pPr marL="0" marR="0" indent="0" algn="l" defTabSz="914400" rtl="0" eaLnBrk="1" fontAlgn="base" latinLnBrk="0" hangingPunct="1">
+              <a:lnSpc>
+                <a:spcPct val="100000"/>
+              </a:lnSpc>
+              <a:spcBef>
+                <a:spcPct val="0"/>
+              </a:spcBef>
+              <a:spcAft>
+                <a:spcPct val="0"/>
+              </a:spcAft>
+              <a:buClrTx/>
+              <a:buSzTx/>
+              <a:buFontTx/>
+              <a:buNone/>
+              <a:tabLst/>
+            </a:pPr>
+            <a:endParaRPr kumimoji="0" lang="en-US" sz="4400" b="0" i="0" u="none" strike="noStrike" cap="none" normalizeH="0" baseline="0" smtClean="0">
+              <a:ln>
+                <a:noFill/>
+              </a:ln>
+              <a:solidFill>
+                <a:schemeClr val="tx1"/>
+              </a:solidFill>
+              <a:effectLst/>
+              <a:latin typeface="Comic Sans MS" pitchFamily="66" charset="0"/>
+            </a:endParaRPr>
+          </a:p>
+        </p:txBody>
+      </p:sp>
+      <p:sp>
+        <p:nvSpPr>
+          <p:cNvPr id="3077" name="Rectangle 2"/>
+          <p:cNvSpPr>
+            <a:spLocks noGrp="1" noChangeArrowheads="1"/>
+          </p:cNvSpPr>
+          <p:nvPr>
+            <p:ph type="title"/>
+          </p:nvPr>
+        </p:nvSpPr>
+        <p:spPr/>
+        <p:txBody>
+          <a:bodyPr/>
+          <a:lstStyle/>
+          <a:p>
+            <a:pPr eaLnBrk="1" hangingPunct="1"/>
+            <a:r>
+              <a:rPr lang="en-US" sz="4400" dirty="0" smtClean="0"/>
+              <a:t>Gen </a:t>
+            </a:r>
+            <a:r>
+              <a:rPr lang="en-US" sz="4400" dirty="0" err="1" smtClean="0"/>
+              <a:t>Func</a:t>
+            </a:r>
+            <a:r>
+              <a:rPr lang="en-US" sz="4400" dirty="0" smtClean="0"/>
+              <a:t> for</a:t>
+            </a:r>
+            <a:r>
+              <a:rPr lang="en-US" dirty="0" smtClean="0"/>
+              <a:t> </a:t>
+            </a:r>
+            <a:endParaRPr lang="en-US" dirty="0" smtClean="0"/>
+          </a:p>
+        </p:txBody>
+      </p:sp>
+      <p:sp>
+        <p:nvSpPr>
+          <p:cNvPr id="13" name="Slide Number Placeholder 1"/>
+          <p:cNvSpPr>
+            <a:spLocks noGrp="1"/>
+          </p:cNvSpPr>
+          <p:nvPr>
+            <p:ph type="sldNum" sz="quarter" idx="10"/>
+          </p:nvPr>
+        </p:nvSpPr>
+        <p:spPr>
+          <a:xfrm>
+            <a:off x="6400800" y="6613525"/>
+            <a:ext cx="2667000" cy="244475"/>
+          </a:xfrm>
+          <a:noFill/>
+        </p:spPr>
+        <p:txBody>
+          <a:bodyPr/>
+          <a:lstStyle/>
+          <a:p>
+            <a:r>
+              <a:rPr lang="en-US" dirty="0" err="1" smtClean="0"/>
+              <a:t>genfuncintro</a:t>
+            </a:r>
+            <a:r>
+              <a:rPr lang="en-US" dirty="0" smtClean="0"/>
+              <a:t>.</a:t>
+            </a:r>
+            <a:fld id="{B20F91F6-F4EE-490C-AA68-F15A44211122}" type="slidenum">
+              <a:rPr lang="en-US" smtClean="0"/>
+              <a:pPr/>
+              <a:t>12</a:t>
+            </a:fld>
+            <a:endParaRPr lang="en-US" dirty="0" smtClean="0"/>
+          </a:p>
+        </p:txBody>
+      </p:sp>
+      <p:graphicFrame>
+        <p:nvGraphicFramePr>
+          <p:cNvPr id="9" name="Object 8"/>
+          <p:cNvGraphicFramePr>
+            <a:graphicFrameLocks noChangeAspect="1"/>
+          </p:cNvGraphicFramePr>
+          <p:nvPr>
+            <p:extLst>
+              <p:ext uri="{D42A27DB-BD31-4B8C-83A1-F6EECF244321}">
+                <p14:modId xmlns:p14="http://schemas.microsoft.com/office/powerpoint/2010/main" val="1766440911"/>
+              </p:ext>
+            </p:extLst>
+          </p:nvPr>
+        </p:nvGraphicFramePr>
+        <p:xfrm>
+          <a:off x="1631950" y="2200275"/>
+          <a:ext cx="5880100" cy="2143125"/>
+        </p:xfrm>
+        <a:graphic>
+          <a:graphicData uri="http://schemas.openxmlformats.org/presentationml/2006/ole">
+            <mc:AlternateContent xmlns:mc="http://schemas.openxmlformats.org/markup-compatibility/2006">
+              <mc:Choice xmlns:v="urn:schemas-microsoft-com:vml" Requires="v">
+                <p:oleObj spid="_x0000_s343050" name="Equation" r:id="rId4" imgW="1358900" imgH="495300" progId="Equation.DSMT4">
+                  <p:embed/>
+                </p:oleObj>
+              </mc:Choice>
+              <mc:Fallback>
+                <p:oleObj name="Equation" r:id="rId4" imgW="1358900" imgH="495300" progId="Equation.DSMT4">
+                  <p:embed/>
+                  <p:pic>
+                    <p:nvPicPr>
+                      <p:cNvPr id="0" name=""/>
+                      <p:cNvPicPr/>
+                      <p:nvPr/>
+                    </p:nvPicPr>
+                    <p:blipFill>
+                      <a:blip r:embed="rId5"/>
+                      <a:stretch>
+                        <a:fillRect/>
+                      </a:stretch>
+                    </p:blipFill>
+                    <p:spPr>
+                      <a:xfrm>
+                        <a:off x="1631950" y="2200275"/>
+                        <a:ext cx="5880100" cy="2143125"/>
+                      </a:xfrm>
+                      <a:prstGeom prst="rect">
+                        <a:avLst/>
+                      </a:prstGeom>
+                    </p:spPr>
+                  </p:pic>
+                </p:oleObj>
+              </mc:Fallback>
+            </mc:AlternateContent>
+          </a:graphicData>
+        </a:graphic>
+      </p:graphicFrame>
+      <p:graphicFrame>
+        <p:nvGraphicFramePr>
+          <p:cNvPr id="3" name="Object 2"/>
+          <p:cNvGraphicFramePr>
+            <a:graphicFrameLocks noChangeAspect="1"/>
+          </p:cNvGraphicFramePr>
+          <p:nvPr>
+            <p:extLst>
+              <p:ext uri="{D42A27DB-BD31-4B8C-83A1-F6EECF244321}">
+                <p14:modId xmlns:p14="http://schemas.microsoft.com/office/powerpoint/2010/main" val="2064763102"/>
+              </p:ext>
+            </p:extLst>
+          </p:nvPr>
+        </p:nvGraphicFramePr>
+        <p:xfrm>
+          <a:off x="5257800" y="152400"/>
+          <a:ext cx="1143000" cy="1143000"/>
+        </p:xfrm>
+        <a:graphic>
+          <a:graphicData uri="http://schemas.openxmlformats.org/presentationml/2006/ole">
+            <mc:AlternateContent xmlns:mc="http://schemas.openxmlformats.org/markup-compatibility/2006">
+              <mc:Choice xmlns:v="urn:schemas-microsoft-com:vml" Requires="v">
+                <p:oleObj spid="_x0000_s343051" name="Equation" r:id="rId6" imgW="215900" imgH="215900" progId="Equation.DSMT4">
+                  <p:embed/>
+                </p:oleObj>
+              </mc:Choice>
+              <mc:Fallback>
+                <p:oleObj name="Equation" r:id="rId6" imgW="215900" imgH="215900" progId="Equation.DSMT4">
+                  <p:embed/>
+                  <p:pic>
+                    <p:nvPicPr>
+                      <p:cNvPr id="0" name=""/>
+                      <p:cNvPicPr/>
+                      <p:nvPr/>
+                    </p:nvPicPr>
+                    <p:blipFill>
+                      <a:blip r:embed="rId7"/>
+                      <a:stretch>
+                        <a:fillRect/>
+                      </a:stretch>
+                    </p:blipFill>
+                    <p:spPr>
+                      <a:xfrm>
+                        <a:off x="5257800" y="152400"/>
+                        <a:ext cx="1143000" cy="1143000"/>
+                      </a:xfrm>
+                      <a:prstGeom prst="rect">
+                        <a:avLst/>
+                      </a:prstGeom>
+                    </p:spPr>
+                  </p:pic>
+                </p:oleObj>
+              </mc:Fallback>
+            </mc:AlternateContent>
+          </a:graphicData>
+        </a:graphic>
+      </p:graphicFrame>
+    </p:spTree>
+    <p:extLst>
+      <p:ext uri="{BB962C8B-B14F-4D97-AF65-F5344CB8AC3E}">
+        <p14:creationId xmlns:p14="http://schemas.microsoft.com/office/powerpoint/2010/main" val="4129035534"/>
+      </p:ext>
+    </p:extLst>
+  </p:cSld>
+  <p:clrMapOvr>
+    <a:masterClrMapping/>
+  </p:clrMapOvr>
+  <p:transition xmlns:p14="http://schemas.microsoft.com/office/powerpoint/2010/main" spd="slow" advClick="0">
+    <p:fade/>
+  </p:transition>
+  <p:timing>
+    <p:tnLst>
+      <p:par>
+        <p:cTn xmlns:p14="http://schemas.microsoft.com/office/powerpoint/2010/main" id="1" dur="indefinite" restart="never" nodeType="tmRoot">
+          <p:childTnLst>
+            <p:seq concurrent="1" nextAc="seek">
+              <p:cTn id="2" dur="indefinite" nodeType="mainSeq">
+                <p:childTnLst>
+                  <p:par>
+                    <p:cTn id="3" fill="hold">
+                      <p:stCondLst>
+                        <p:cond delay="indefinite"/>
+                      </p:stCondLst>
+                      <p:childTnLst>
+                        <p:par>
+                          <p:cTn id="4" fill="hold">
+                            <p:stCondLst>
+                              <p:cond delay="0"/>
+                            </p:stCondLst>
+                            <p:childTnLst>
+                              <p:par>
+                                <p:cTn id="5" presetID="22" presetClass="entr" presetSubtype="8" fill="hold" nodeType="clickEffect">
+                                  <p:stCondLst>
+                                    <p:cond delay="0"/>
+                                  </p:stCondLst>
+                                  <p:childTnLst>
+                                    <p:set>
+                                      <p:cBhvr>
+                                        <p:cTn id="6" dur="1" fill="hold">
+                                          <p:stCondLst>
+                                            <p:cond delay="0"/>
+                                          </p:stCondLst>
+                                        </p:cTn>
+                                        <p:tgtEl>
+                                          <p:spTgt spid="9"/>
+                                        </p:tgtEl>
+                                        <p:attrNameLst>
+                                          <p:attrName>style.visibility</p:attrName>
+                                        </p:attrNameLst>
+                                      </p:cBhvr>
+                                      <p:to>
+                                        <p:strVal val="visible"/>
+                                      </p:to>
+                                    </p:set>
+                                    <p:animEffect transition="in" filter="wipe(left)">
+                                      <p:cBhvr>
+                                        <p:cTn id="7" dur="2000"/>
+                                        <p:tgtEl>
+                                          <p:spTgt spid="9"/>
+                                        </p:tgtEl>
+                                      </p:cBhvr>
+                                    </p:animEffect>
+                                  </p:childTnLst>
+                                </p:cTn>
+                              </p:par>
+                            </p:childTnLst>
+                          </p:cTn>
+                        </p:par>
+                      </p:childTnLst>
+                    </p:cTn>
+                  </p:par>
+                  <p:par>
+                    <p:cTn id="8" fill="hold">
+                      <p:stCondLst>
+                        <p:cond delay="indefinite"/>
+                      </p:stCondLst>
+                      <p:childTnLst>
+                        <p:par>
+                          <p:cTn id="9" fill="hold">
+                            <p:stCondLst>
+                              <p:cond delay="0"/>
+                            </p:stCondLst>
+                            <p:childTnLst>
+                              <p:par>
+                                <p:cTn id="10" presetID="10" presetClass="entr" presetSubtype="0" fill="hold" grpId="0" nodeType="clickEffect">
+                                  <p:stCondLst>
+                                    <p:cond delay="0"/>
+                                  </p:stCondLst>
+                                  <p:childTnLst>
+                                    <p:set>
+                                      <p:cBhvr>
+                                        <p:cTn id="11" dur="1" fill="hold">
+                                          <p:stCondLst>
+                                            <p:cond delay="0"/>
+                                          </p:stCondLst>
+                                        </p:cTn>
+                                        <p:tgtEl>
+                                          <p:spTgt spid="10"/>
+                                        </p:tgtEl>
+                                        <p:attrNameLst>
+                                          <p:attrName>style.visibility</p:attrName>
+                                        </p:attrNameLst>
+                                      </p:cBhvr>
+                                      <p:to>
+                                        <p:strVal val="visible"/>
+                                      </p:to>
+                                    </p:set>
+                                    <p:animEffect transition="in" filter="fade">
+                                      <p:cBhvr>
+                                        <p:cTn id="12" dur="500"/>
+                                        <p:tgtEl>
+                                          <p:spTgt spid="10"/>
+                                        </p:tgtEl>
+                                      </p:cBhvr>
+                                    </p:animEffect>
+                                  </p:childTnLst>
+                                </p:cTn>
+                              </p:par>
+                            </p:childTnLst>
+                          </p:cTn>
+                        </p:par>
+                      </p:childTnLst>
+                    </p:cTn>
+                  </p:par>
+                </p:childTnLst>
+              </p:cTn>
+              <p:prevCondLst>
+                <p:cond evt="onPrev" delay="0">
+                  <p:tgtEl>
+                    <p:sldTgt/>
+                  </p:tgtEl>
+                </p:cond>
+              </p:prevCondLst>
+              <p:nextCondLst>
+                <p:cond evt="onNext" delay="0">
+                  <p:tgtEl>
+                    <p:sldTgt/>
+                  </p:tgtEl>
+                </p:cond>
+              </p:nextCondLst>
+            </p:seq>
+          </p:childTnLst>
+        </p:cTn>
+      </p:par>
+    </p:tnLst>
+    <p:bldLst>
+      <p:bldP spid="10" grpId="0" animBg="1"/>
+    </p:bldLst>
+  </p:timing>
+</p:sld>
+</file>
+
+<file path=ppt/slides/slide13.xml><?xml version="1.0" encoding="utf-8"?>
+<p:sld xmlns:a="http://schemas.openxmlformats.org/drawingml/2006/main" xmlns:r="http://schemas.openxmlformats.org/officeDocument/2006/relationships" xmlns:p="http://schemas.openxmlformats.org/presentationml/2006/main">
+  <p:cSld>
+    <p:spTree>
+      <p:nvGrpSpPr>
+        <p:cNvPr id="1" name=""/>
+        <p:cNvGrpSpPr/>
+        <p:nvPr/>
+      </p:nvGrpSpPr>
+      <p:grpSpPr>
+        <a:xfrm>
+          <a:off x="0" y="0"/>
+          <a:ext cx="0" cy="0"/>
+          <a:chOff x="0" y="0"/>
+          <a:chExt cx="0" cy="0"/>
+        </a:xfrm>
+      </p:grpSpPr>
+      <p:sp>
+        <p:nvSpPr>
+          <p:cNvPr id="4" name="Slide Number Placeholder 3"/>
+          <p:cNvSpPr>
+            <a:spLocks noGrp="1"/>
+          </p:cNvSpPr>
+          <p:nvPr>
+            <p:ph type="sldNum" sz="quarter" idx="10"/>
+          </p:nvPr>
+        </p:nvSpPr>
+        <p:spPr/>
+        <p:txBody>
+          <a:bodyPr/>
+          <a:lstStyle/>
+          <a:p>
+            <a:pPr>
+              <a:defRPr/>
+            </a:pPr>
+            <a:r>
+              <a:rPr lang="en-US" dirty="0" err="1" smtClean="0"/>
+              <a:t>genfuncintro</a:t>
+            </a:r>
+            <a:r>
+              <a:rPr lang="en-US" dirty="0" smtClean="0"/>
+              <a:t>.</a:t>
+            </a:r>
+            <a:fld id="{167FB316-D213-489C-8FDE-91E3356C5A60}" type="slidenum">
+              <a:rPr lang="en-US" smtClean="0"/>
+              <a:pPr>
+                <a:defRPr/>
+              </a:pPr>
+              <a:t>13</a:t>
             </a:fld>
             <a:endParaRPr lang="en-US" dirty="0"/>
           </a:p>
@@ -4005,7 +5150,7 @@
           <a:graphicData uri="http://schemas.openxmlformats.org/presentationml/2006/ole">
             <mc:AlternateContent xmlns:mc="http://schemas.openxmlformats.org/markup-compatibility/2006">
               <mc:Choice xmlns:v="urn:schemas-microsoft-com:vml" Requires="v">
-                <p:oleObj spid="_x0000_s341011" name="Equation" r:id="rId3" imgW="1536700" imgH="330200" progId="Equation.DSMT4">
+                <p:oleObj spid="_x0000_s341033" name="Equation" r:id="rId3" imgW="1536700" imgH="330200" progId="Equation.DSMT4">
                   <p:embed/>
                 </p:oleObj>
               </mc:Choice>
@@ -4062,7 +5207,7 @@
           <a:graphicData uri="http://schemas.openxmlformats.org/presentationml/2006/ole">
             <mc:AlternateContent xmlns:mc="http://schemas.openxmlformats.org/markup-compatibility/2006">
               <mc:Choice xmlns:v="urn:schemas-microsoft-com:vml" Requires="v">
-                <p:oleObj spid="_x0000_s341012" name="Equation" r:id="rId5" imgW="2616200" imgH="292100" progId="Equation.DSMT4">
+                <p:oleObj spid="_x0000_s341034" name="Equation" r:id="rId5" imgW="2616200" imgH="292100" progId="Equation.DSMT4">
                   <p:embed/>
                 </p:oleObj>
               </mc:Choice>
@@ -4119,7 +5264,7 @@
           <a:graphicData uri="http://schemas.openxmlformats.org/presentationml/2006/ole">
             <mc:AlternateContent xmlns:mc="http://schemas.openxmlformats.org/markup-compatibility/2006">
               <mc:Choice xmlns:v="urn:schemas-microsoft-com:vml" Requires="v">
-                <p:oleObj spid="_x0000_s341013" name="Equation" r:id="rId7" imgW="2603500" imgH="292100" progId="Equation.DSMT4">
+                <p:oleObj spid="_x0000_s341035" name="Equation" r:id="rId7" imgW="2603500" imgH="292100" progId="Equation.DSMT4">
                   <p:embed/>
                 </p:oleObj>
               </mc:Choice>
@@ -4164,11 +5309,206 @@
   <p:clrMapOvr>
     <a:masterClrMapping/>
   </p:clrMapOvr>
+  <p:transition xmlns:p14="http://schemas.microsoft.com/office/powerpoint/2010/main" spd="slow" advClick="0">
+    <p:fade thruBlk="1"/>
+  </p:transition>
+  <p:timing>
+    <p:tnLst>
+      <p:par>
+        <p:cTn xmlns:p14="http://schemas.microsoft.com/office/powerpoint/2010/main" id="1" dur="indefinite" restart="never" nodeType="tmRoot">
+          <p:childTnLst>
+            <p:seq concurrent="1" nextAc="seek">
+              <p:cTn id="2" dur="indefinite" nodeType="mainSeq">
+                <p:childTnLst>
+                  <p:par>
+                    <p:cTn id="3" fill="hold">
+                      <p:stCondLst>
+                        <p:cond delay="indefinite"/>
+                      </p:stCondLst>
+                      <p:childTnLst>
+                        <p:par>
+                          <p:cTn id="4" fill="hold">
+                            <p:stCondLst>
+                              <p:cond delay="0"/>
+                            </p:stCondLst>
+                            <p:childTnLst>
+                              <p:par>
+                                <p:cTn id="5" presetID="22" presetClass="entr" presetSubtype="8" fill="hold" nodeType="clickEffect">
+                                  <p:stCondLst>
+                                    <p:cond delay="0"/>
+                                  </p:stCondLst>
+                                  <p:childTnLst>
+                                    <p:set>
+                                      <p:cBhvr>
+                                        <p:cTn id="6" dur="1" fill="hold">
+                                          <p:stCondLst>
+                                            <p:cond delay="0"/>
+                                          </p:stCondLst>
+                                        </p:cTn>
+                                        <p:tgtEl>
+                                          <p:spTgt spid="8"/>
+                                        </p:tgtEl>
+                                        <p:attrNameLst>
+                                          <p:attrName>style.visibility</p:attrName>
+                                        </p:attrNameLst>
+                                      </p:cBhvr>
+                                      <p:to>
+                                        <p:strVal val="visible"/>
+                                      </p:to>
+                                    </p:set>
+                                    <p:animEffect transition="in" filter="wipe(left)">
+                                      <p:cBhvr>
+                                        <p:cTn id="7" dur="2000"/>
+                                        <p:tgtEl>
+                                          <p:spTgt spid="8"/>
+                                        </p:tgtEl>
+                                      </p:cBhvr>
+                                    </p:animEffect>
+                                  </p:childTnLst>
+                                </p:cTn>
+                              </p:par>
+                            </p:childTnLst>
+                          </p:cTn>
+                        </p:par>
+                      </p:childTnLst>
+                    </p:cTn>
+                  </p:par>
+                  <p:par>
+                    <p:cTn id="8" fill="hold">
+                      <p:stCondLst>
+                        <p:cond delay="indefinite"/>
+                      </p:stCondLst>
+                      <p:childTnLst>
+                        <p:par>
+                          <p:cTn id="9" fill="hold">
+                            <p:stCondLst>
+                              <p:cond delay="0"/>
+                            </p:stCondLst>
+                            <p:childTnLst>
+                              <p:par>
+                                <p:cTn id="10" presetID="10" presetClass="entr" presetSubtype="0" fill="hold" grpId="0" nodeType="clickEffect">
+                                  <p:stCondLst>
+                                    <p:cond delay="0"/>
+                                  </p:stCondLst>
+                                  <p:childTnLst>
+                                    <p:set>
+                                      <p:cBhvr>
+                                        <p:cTn id="11" dur="1" fill="hold">
+                                          <p:stCondLst>
+                                            <p:cond delay="0"/>
+                                          </p:stCondLst>
+                                        </p:cTn>
+                                        <p:tgtEl>
+                                          <p:spTgt spid="5"/>
+                                        </p:tgtEl>
+                                        <p:attrNameLst>
+                                          <p:attrName>style.visibility</p:attrName>
+                                        </p:attrNameLst>
+                                      </p:cBhvr>
+                                      <p:to>
+                                        <p:strVal val="visible"/>
+                                      </p:to>
+                                    </p:set>
+                                    <p:animEffect transition="in" filter="fade">
+                                      <p:cBhvr>
+                                        <p:cTn id="12" dur="500"/>
+                                        <p:tgtEl>
+                                          <p:spTgt spid="5"/>
+                                        </p:tgtEl>
+                                      </p:cBhvr>
+                                    </p:animEffect>
+                                  </p:childTnLst>
+                                </p:cTn>
+                              </p:par>
+                            </p:childTnLst>
+                          </p:cTn>
+                        </p:par>
+                      </p:childTnLst>
+                    </p:cTn>
+                  </p:par>
+                  <p:par>
+                    <p:cTn id="13" fill="hold">
+                      <p:stCondLst>
+                        <p:cond delay="indefinite"/>
+                      </p:stCondLst>
+                      <p:childTnLst>
+                        <p:par>
+                          <p:cTn id="14" fill="hold">
+                            <p:stCondLst>
+                              <p:cond delay="0"/>
+                            </p:stCondLst>
+                            <p:childTnLst>
+                              <p:par>
+                                <p:cTn id="15" presetID="10" presetClass="entr" presetSubtype="0" fill="hold" nodeType="clickEffect">
+                                  <p:stCondLst>
+                                    <p:cond delay="0"/>
+                                  </p:stCondLst>
+                                  <p:childTnLst>
+                                    <p:set>
+                                      <p:cBhvr>
+                                        <p:cTn id="16" dur="1" fill="hold">
+                                          <p:stCondLst>
+                                            <p:cond delay="0"/>
+                                          </p:stCondLst>
+                                        </p:cTn>
+                                        <p:tgtEl>
+                                          <p:spTgt spid="6"/>
+                                        </p:tgtEl>
+                                        <p:attrNameLst>
+                                          <p:attrName>style.visibility</p:attrName>
+                                        </p:attrNameLst>
+                                      </p:cBhvr>
+                                      <p:to>
+                                        <p:strVal val="visible"/>
+                                      </p:to>
+                                    </p:set>
+                                    <p:animEffect transition="in" filter="fade">
+                                      <p:cBhvr>
+                                        <p:cTn id="17" dur="500"/>
+                                        <p:tgtEl>
+                                          <p:spTgt spid="6"/>
+                                        </p:tgtEl>
+                                      </p:cBhvr>
+                                    </p:animEffect>
+                                  </p:childTnLst>
+                                </p:cTn>
+                              </p:par>
+                            </p:childTnLst>
+                          </p:cTn>
+                        </p:par>
+                      </p:childTnLst>
+                    </p:cTn>
+                  </p:par>
+                </p:childTnLst>
+              </p:cTn>
+              <p:prevCondLst>
+                <p:cond evt="onPrev" delay="0">
+                  <p:tgtEl>
+                    <p:sldTgt/>
+                  </p:tgtEl>
+                </p:cond>
+              </p:prevCondLst>
+              <p:nextCondLst>
+                <p:cond evt="onNext" delay="0">
+                  <p:tgtEl>
+                    <p:sldTgt/>
+                  </p:tgtEl>
+                </p:cond>
+              </p:nextCondLst>
+            </p:seq>
+          </p:childTnLst>
+        </p:cTn>
+      </p:par>
+    </p:tnLst>
+    <p:bldLst>
+      <p:bldP spid="5" grpId="0"/>
+    </p:bldLst>
+  </p:timing>
 </p:sld>
 </file>
 
-<file path=ppt/slides/slide12.xml><?xml version="1.0" encoding="utf-8"?>
-<p:sld xmlns:a="http://schemas.openxmlformats.org/drawingml/2006/main" xmlns:r="http://schemas.openxmlformats.org/officeDocument/2006/relationships" xmlns:p="http://schemas.openxmlformats.org/presentationml/2006/main">
+<file path=ppt/slides/slide14.xml><?xml version="1.0" encoding="utf-8"?>
+<p:sld xmlns:a="http://schemas.openxmlformats.org/drawingml/2006/main" xmlns:r="http://schemas.openxmlformats.org/officeDocument/2006/relationships" xmlns:p="http://schemas.openxmlformats.org/presentationml/2006/main" show="0">
   <p:cSld>
     <p:spTree>
       <p:nvGrpSpPr>
@@ -4204,18 +5544,18 @@
             </a:pPr>
             <a:r>
               <a:rPr lang="en-US" dirty="0" err="1" smtClean="0"/>
-              <a:t>lec</a:t>
+              <a:t>genfuncintro</a:t>
             </a:r>
             <a:r>
               <a:rPr lang="en-US" dirty="0" smtClean="0"/>
-              <a:t> 11M.</a:t>
+              <a:t>.</a:t>
             </a:r>
             <a:fld id="{167FB316-D213-489C-8FDE-91E3356C5A60}" type="slidenum">
               <a:rPr lang="en-US" smtClean="0"/>
               <a:pPr>
                 <a:defRPr/>
               </a:pPr>
-              <a:t>12</a:t>
+              <a:t>14</a:t>
             </a:fld>
             <a:endParaRPr lang="en-US" dirty="0"/>
           </a:p>
@@ -4243,7 +5583,7 @@
           <a:graphicData uri="http://schemas.openxmlformats.org/presentationml/2006/ole">
             <mc:AlternateContent xmlns:mc="http://schemas.openxmlformats.org/markup-compatibility/2006">
               <mc:Choice xmlns:v="urn:schemas-microsoft-com:vml" Requires="v">
-                <p:oleObj spid="_x0000_s342037" name="Equation" r:id="rId4" imgW="3340100" imgH="1066800" progId="Equation.DSMT4">
+                <p:oleObj spid="_x0000_s342073" name="Equation" r:id="rId4" imgW="3340100" imgH="1066800" progId="Equation.DSMT4">
                   <p:embed/>
                 </p:oleObj>
               </mc:Choice>
@@ -4351,7 +5691,7 @@
             <a:graphicData uri="http://schemas.openxmlformats.org/presentationml/2006/ole">
               <mc:AlternateContent xmlns:mc="http://schemas.openxmlformats.org/markup-compatibility/2006">
                 <mc:Choice xmlns:v="urn:schemas-microsoft-com:vml" Requires="v">
-                  <p:oleObj spid="_x0000_s342038" name="Equation" r:id="rId6" imgW="1066680" imgH="342720" progId="Equation.DSMT4">
+                  <p:oleObj spid="_x0000_s342074" name="Equation" r:id="rId6" imgW="1066680" imgH="342720" progId="Equation.DSMT4">
                     <p:embed/>
                   </p:oleObj>
                 </mc:Choice>
@@ -4406,39 +5746,6 @@
           </a:graphic>
         </p:graphicFrame>
       </p:grpSp>
-      <p:sp>
-        <p:nvSpPr>
-          <p:cNvPr id="14" name="Rectangle 2"/>
-          <p:cNvSpPr>
-            <a:spLocks noGrp="1" noChangeArrowheads="1"/>
-          </p:cNvSpPr>
-          <p:nvPr>
-            <p:ph type="title"/>
-          </p:nvPr>
-        </p:nvSpPr>
-        <p:spPr>
-          <a:xfrm>
-            <a:off x="1447800" y="304800"/>
-            <a:ext cx="7543800" cy="1143000"/>
-          </a:xfrm>
-        </p:spPr>
-        <p:txBody>
-          <a:bodyPr/>
-          <a:lstStyle/>
-          <a:p>
-            <a:pPr eaLnBrk="1" hangingPunct="1"/>
-            <a:r>
-              <a:rPr lang="en-US" dirty="0" smtClean="0"/>
-              <a:t>Infinite Geometric </a:t>
-            </a:r>
-            <a:r>
-              <a:rPr lang="en-US" dirty="0" smtClean="0"/>
-              <a:t>Series</a:t>
-            </a:r>
-            <a:endParaRPr lang="en-US" dirty="0" smtClean="0"/>
-          </a:p>
-        </p:txBody>
-      </p:sp>
       <p:graphicFrame>
         <p:nvGraphicFramePr>
           <p:cNvPr id="10" name="Object 9"/>
@@ -4461,7 +5768,7 @@
           <a:graphicData uri="http://schemas.openxmlformats.org/presentationml/2006/ole">
             <mc:AlternateContent xmlns:mc="http://schemas.openxmlformats.org/markup-compatibility/2006">
               <mc:Choice xmlns:v="urn:schemas-microsoft-com:vml" Requires="v">
-                <p:oleObj spid="_x0000_s342039" name="Equation" r:id="rId8" imgW="1600200" imgH="241300" progId="Equation.DSMT4">
+                <p:oleObj spid="_x0000_s342075" name="Equation" r:id="rId8" imgW="1600200" imgH="241300" progId="Equation.DSMT4">
                   <p:embed/>
                 </p:oleObj>
               </mc:Choice>
@@ -4518,7 +5825,7 @@
           <a:graphicData uri="http://schemas.openxmlformats.org/presentationml/2006/ole">
             <mc:AlternateContent xmlns:mc="http://schemas.openxmlformats.org/markup-compatibility/2006">
               <mc:Choice xmlns:v="urn:schemas-microsoft-com:vml" Requires="v">
-                <p:oleObj spid="_x0000_s342040" name="Equation" r:id="rId10" imgW="622300" imgH="444500" progId="Equation.DSMT4">
+                <p:oleObj spid="_x0000_s342076" name="Equation" r:id="rId10" imgW="622300" imgH="444500" progId="Equation.DSMT4">
                   <p:embed/>
                 </p:oleObj>
               </mc:Choice>
@@ -4553,6 +5860,104 @@
           </a:graphicData>
         </a:graphic>
       </p:graphicFrame>
+      <p:sp>
+        <p:nvSpPr>
+          <p:cNvPr id="11" name="Rectangle 2"/>
+          <p:cNvSpPr>
+            <a:spLocks noGrp="1" noChangeArrowheads="1"/>
+          </p:cNvSpPr>
+          <p:nvPr>
+            <p:ph type="title"/>
+          </p:nvPr>
+        </p:nvSpPr>
+        <p:spPr>
+          <a:xfrm>
+            <a:off x="1447800" y="304800"/>
+            <a:ext cx="7543800" cy="1143000"/>
+          </a:xfrm>
+        </p:spPr>
+        <p:txBody>
+          <a:bodyPr/>
+          <a:lstStyle/>
+          <a:p>
+            <a:pPr eaLnBrk="1" hangingPunct="1"/>
+            <a:r>
+              <a:rPr lang="en-US" sz="4400" dirty="0" smtClean="0"/>
+              <a:t>Gen </a:t>
+            </a:r>
+            <a:r>
+              <a:rPr lang="en-US" sz="4400" dirty="0" err="1" smtClean="0"/>
+              <a:t>Func</a:t>
+            </a:r>
+            <a:r>
+              <a:rPr lang="en-US" sz="4400" dirty="0" smtClean="0"/>
+              <a:t> for</a:t>
+            </a:r>
+            <a:r>
+              <a:rPr lang="en-US" dirty="0" smtClean="0"/>
+              <a:t> </a:t>
+            </a:r>
+            <a:endParaRPr lang="en-US" dirty="0" smtClean="0"/>
+          </a:p>
+        </p:txBody>
+      </p:sp>
+      <p:graphicFrame>
+        <p:nvGraphicFramePr>
+          <p:cNvPr id="15" name="Object 14"/>
+          <p:cNvGraphicFramePr>
+            <a:graphicFrameLocks noChangeAspect="1"/>
+          </p:cNvGraphicFramePr>
+          <p:nvPr>
+            <p:extLst>
+              <p:ext uri="{D42A27DB-BD31-4B8C-83A1-F6EECF244321}">
+                <p14:modId xmlns:p14="http://schemas.microsoft.com/office/powerpoint/2010/main" val="2397179680"/>
+              </p:ext>
+            </p:extLst>
+          </p:nvPr>
+        </p:nvGraphicFramePr>
+        <p:xfrm>
+          <a:off x="5392738" y="285750"/>
+          <a:ext cx="873125" cy="873125"/>
+        </p:xfrm>
+        <a:graphic>
+          <a:graphicData uri="http://schemas.openxmlformats.org/presentationml/2006/ole">
+            <mc:AlternateContent xmlns:mc="http://schemas.openxmlformats.org/markup-compatibility/2006">
+              <mc:Choice xmlns:v="urn:schemas-microsoft-com:vml" Requires="v">
+                <p:oleObj spid="_x0000_s342077" name="Equation" r:id="rId12" imgW="165100" imgH="165100" progId="Equation.DSMT4">
+                  <p:embed/>
+                </p:oleObj>
+              </mc:Choice>
+              <mc:Fallback>
+                <p:oleObj name="Equation" r:id="rId12" imgW="165100" imgH="165100" progId="Equation.DSMT4">
+                  <p:embed/>
+                  <p:pic>
+                    <p:nvPicPr>
+                      <p:cNvPr id="0" name=""/>
+                      <p:cNvPicPr/>
+                      <p:nvPr/>
+                    </p:nvPicPr>
+                    <p:blipFill>
+                      <a:blip r:embed="rId13"/>
+                      <a:stretch>
+                        <a:fillRect/>
+                      </a:stretch>
+                    </p:blipFill>
+                    <p:spPr>
+                      <a:xfrm>
+                        <a:off x="5392738" y="285750"/>
+                        <a:ext cx="873125" cy="873125"/>
+                      </a:xfrm>
+                      <a:prstGeom prst="rect">
+                        <a:avLst/>
+                      </a:prstGeom>
+                    </p:spPr>
+                  </p:pic>
+                </p:oleObj>
+              </mc:Fallback>
+            </mc:AlternateContent>
+          </a:graphicData>
+        </a:graphic>
+      </p:graphicFrame>
     </p:spTree>
     <p:extLst>
       <p:ext uri="{BB962C8B-B14F-4D97-AF65-F5344CB8AC3E}">
@@ -4565,10 +5970,14 @@
   </p:clrMapOvr>
   <mc:AlternateContent xmlns:mc="http://schemas.openxmlformats.org/markup-compatibility/2006">
     <mc:Choice xmlns:p14="http://schemas.microsoft.com/office/powerpoint/2010/main" Requires="p14">
-      <p:transition spd="slow" p14:dur="2000"/>
+      <p:transition spd="med" p14:dur="700" advClick="0">
+        <p:fade thruBlk="1"/>
+      </p:transition>
     </mc:Choice>
     <mc:Fallback>
-      <p:transition xmlns:p14="http://schemas.microsoft.com/office/powerpoint/2010/main" spd="slow"/>
+      <p:transition xmlns:p14="http://schemas.microsoft.com/office/powerpoint/2010/main" spd="med" advClick="0">
+        <p:fade thruBlk="1"/>
+      </p:transition>
     </mc:Fallback>
   </mc:AlternateContent>
   <p:timing>
@@ -4592,7 +6001,7 @@
                             </p:stCondLst>
                             <p:childTnLst>
                               <p:par>
-                                <p:cTn id="5" presetID="53" presetClass="entr" presetSubtype="0" fill="hold" nodeType="clickEffect">
+                                <p:cTn id="5" presetID="10" presetClass="entr" presetSubtype="0" fill="hold" nodeType="clickEffect">
                                   <p:stCondLst>
                                     <p:cond delay="0"/>
                                   </p:stCondLst>
@@ -4605,7 +6014,7 @@
                                           </p:stCondLst>
                                         </p:cTn>
                                         <p:tgtEl>
-                                          <p:spTgt spid="13"/>
+                                          <p:spTgt spid="2"/>
                                         </p:tgtEl>
                                         <p:attrNameLst>
                                           <p:attrName>style.visibility</p:attrName>
@@ -4615,57 +6024,11 @@
                                         <p:strVal val="visible"/>
                                       </p:to>
                                     </p:set>
-                                    <p:anim calcmode="lin" valueType="num">
-                                      <p:cBhvr>
-                                        <p:cTn id="7" dur="500" fill="hold"/>
-                                        <p:tgtEl>
-                                          <p:spTgt spid="13"/>
-                                        </p:tgtEl>
-                                        <p:attrNameLst>
-                                          <p:attrName>ppt_w</p:attrName>
-                                        </p:attrNameLst>
-                                      </p:cBhvr>
-                                      <p:tavLst>
-                                        <p:tav tm="0">
-                                          <p:val>
-                                            <p:fltVal val="0"/>
-                                          </p:val>
-                                        </p:tav>
-                                        <p:tav tm="100000">
-                                          <p:val>
-                                            <p:strVal val="#ppt_w"/>
-                                          </p:val>
-                                        </p:tav>
-                                      </p:tavLst>
-                                    </p:anim>
-                                    <p:anim calcmode="lin" valueType="num">
-                                      <p:cBhvr>
-                                        <p:cTn id="8" dur="500" fill="hold"/>
-                                        <p:tgtEl>
-                                          <p:spTgt spid="13"/>
-                                        </p:tgtEl>
-                                        <p:attrNameLst>
-                                          <p:attrName>ppt_h</p:attrName>
-                                        </p:attrNameLst>
-                                      </p:cBhvr>
-                                      <p:tavLst>
-                                        <p:tav tm="0">
-                                          <p:val>
-                                            <p:fltVal val="0"/>
-                                          </p:val>
-                                        </p:tav>
-                                        <p:tav tm="100000">
-                                          <p:val>
-                                            <p:strVal val="#ppt_h"/>
-                                          </p:val>
-                                        </p:tav>
-                                      </p:tavLst>
-                                    </p:anim>
                                     <p:animEffect transition="in" filter="fade">
                                       <p:cBhvr>
-                                        <p:cTn id="9" dur="500"/>
+                                        <p:cTn id="7" dur="500"/>
                                         <p:tgtEl>
-                                          <p:spTgt spid="13"/>
+                                          <p:spTgt spid="2"/>
                                         </p:tgtEl>
                                       </p:cBhvr>
                                     </p:animEffect>
@@ -4699,6 +6062,762 @@
         </p:cTn>
       </p:par>
     </p:tnLst>
+  </p:timing>
+</p:sld>
+</file>
+
+<file path=ppt/slides/slide15.xml><?xml version="1.0" encoding="utf-8"?>
+<p:sld xmlns:a="http://schemas.openxmlformats.org/drawingml/2006/main" xmlns:r="http://schemas.openxmlformats.org/officeDocument/2006/relationships" xmlns:p="http://schemas.openxmlformats.org/presentationml/2006/main">
+  <p:cSld>
+    <p:spTree>
+      <p:nvGrpSpPr>
+        <p:cNvPr id="1" name=""/>
+        <p:cNvGrpSpPr/>
+        <p:nvPr/>
+      </p:nvGrpSpPr>
+      <p:grpSpPr>
+        <a:xfrm>
+          <a:off x="0" y="0"/>
+          <a:ext cx="0" cy="0"/>
+          <a:chOff x="0" y="0"/>
+          <a:chExt cx="0" cy="0"/>
+        </a:xfrm>
+      </p:grpSpPr>
+      <p:sp>
+        <p:nvSpPr>
+          <p:cNvPr id="4" name="Slide Number Placeholder 3"/>
+          <p:cNvSpPr>
+            <a:spLocks noGrp="1"/>
+          </p:cNvSpPr>
+          <p:nvPr>
+            <p:ph type="sldNum" sz="quarter" idx="10"/>
+          </p:nvPr>
+        </p:nvSpPr>
+        <p:spPr/>
+        <p:txBody>
+          <a:bodyPr/>
+          <a:lstStyle/>
+          <a:p>
+            <a:pPr>
+              <a:defRPr/>
+            </a:pPr>
+            <a:r>
+              <a:rPr lang="en-US" dirty="0" err="1" smtClean="0"/>
+              <a:t>genfuncintro</a:t>
+            </a:r>
+            <a:r>
+              <a:rPr lang="en-US" dirty="0" smtClean="0"/>
+              <a:t>.</a:t>
+            </a:r>
+            <a:fld id="{167FB316-D213-489C-8FDE-91E3356C5A60}" type="slidenum">
+              <a:rPr lang="en-US" smtClean="0"/>
+              <a:pPr>
+                <a:defRPr/>
+              </a:pPr>
+              <a:t>15</a:t>
+            </a:fld>
+            <a:endParaRPr lang="en-US" dirty="0"/>
+          </a:p>
+        </p:txBody>
+      </p:sp>
+      <p:graphicFrame>
+        <p:nvGraphicFramePr>
+          <p:cNvPr id="7" name="Object 6"/>
+          <p:cNvGraphicFramePr>
+            <a:graphicFrameLocks noChangeAspect="1"/>
+          </p:cNvGraphicFramePr>
+          <p:nvPr>
+            <p:extLst>
+              <p:ext uri="{D42A27DB-BD31-4B8C-83A1-F6EECF244321}">
+                <p14:modId xmlns:p14="http://schemas.microsoft.com/office/powerpoint/2010/main" val="4104969508"/>
+              </p:ext>
+            </p:extLst>
+          </p:nvPr>
+        </p:nvGraphicFramePr>
+        <p:xfrm>
+          <a:off x="4606310" y="4703763"/>
+          <a:ext cx="4117975" cy="1316037"/>
+        </p:xfrm>
+        <a:graphic>
+          <a:graphicData uri="http://schemas.openxmlformats.org/presentationml/2006/ole">
+            <mc:AlternateContent xmlns:mc="http://schemas.openxmlformats.org/markup-compatibility/2006">
+              <mc:Choice xmlns:v="urn:schemas-microsoft-com:vml" Requires="v">
+                <p:oleObj spid="_x0000_s344080" name="Equation" r:id="rId4" imgW="3340100" imgH="1066800" progId="Equation.DSMT4">
+                  <p:embed/>
+                </p:oleObj>
+              </mc:Choice>
+              <mc:Fallback>
+                <p:oleObj name="Equation" r:id="rId4" imgW="3340100" imgH="1066800" progId="Equation.DSMT4">
+                  <p:embed/>
+                  <p:pic>
+                    <p:nvPicPr>
+                      <p:cNvPr id="0" name=""/>
+                      <p:cNvPicPr>
+                        <a:picLocks noChangeAspect="1" noChangeArrowheads="1"/>
+                      </p:cNvPicPr>
+                      <p:nvPr/>
+                    </p:nvPicPr>
+                    <p:blipFill>
+                      <a:blip r:embed="rId5"/>
+                      <a:srcRect/>
+                      <a:stretch>
+                        <a:fillRect/>
+                      </a:stretch>
+                    </p:blipFill>
+                    <p:spPr bwMode="auto">
+                      <a:xfrm>
+                        <a:off x="4606310" y="4703763"/>
+                        <a:ext cx="4117975" cy="1316037"/>
+                      </a:xfrm>
+                      <a:prstGeom prst="rect">
+                        <a:avLst/>
+                      </a:prstGeom>
+                      <a:noFill/>
+                      <a:extLst>
+                        <a:ext uri="{909E8E84-426E-40dd-AFC4-6F175D3DCCD1}">
+                          <a14:hiddenFill xmlns:a14="http://schemas.microsoft.com/office/drawing/2010/main">
+                            <a:solidFill>
+                              <a:srgbClr val="FFFFFF"/>
+                            </a:solidFill>
+                          </a14:hiddenFill>
+                        </a:ext>
+                      </a:extLst>
+                    </p:spPr>
+                  </p:pic>
+                </p:oleObj>
+              </mc:Fallback>
+            </mc:AlternateContent>
+          </a:graphicData>
+        </a:graphic>
+      </p:graphicFrame>
+      <p:grpSp>
+        <p:nvGrpSpPr>
+          <p:cNvPr id="13" name="Group 12"/>
+          <p:cNvGrpSpPr/>
+          <p:nvPr/>
+        </p:nvGrpSpPr>
+        <p:grpSpPr>
+          <a:xfrm>
+            <a:off x="762000" y="4038600"/>
+            <a:ext cx="3770584" cy="1524000"/>
+            <a:chOff x="2895600" y="1524000"/>
+            <a:chExt cx="3770584" cy="1524000"/>
+          </a:xfrm>
+        </p:grpSpPr>
+        <p:sp>
+          <p:nvSpPr>
+            <p:cNvPr id="8" name="TextBox 7"/>
+            <p:cNvSpPr txBox="1"/>
+            <p:nvPr/>
+          </p:nvSpPr>
+          <p:spPr>
+            <a:xfrm>
+              <a:off x="2895600" y="1524000"/>
+              <a:ext cx="3770584" cy="646331"/>
+            </a:xfrm>
+            <a:prstGeom prst="rect">
+              <a:avLst/>
+            </a:prstGeom>
+            <a:noFill/>
+          </p:spPr>
+          <p:txBody>
+            <a:bodyPr wrap="none" rtlCol="0">
+              <a:spAutoFit/>
+            </a:bodyPr>
+            <a:lstStyle/>
+            <a:p>
+              <a:r>
+                <a:rPr lang="en-US" sz="3600" dirty="0" smtClean="0"/>
+                <a:t>“corresponds to”</a:t>
+              </a:r>
+              <a:endParaRPr lang="en-US" sz="3600" dirty="0"/>
+            </a:p>
+          </p:txBody>
+        </p:sp>
+        <p:graphicFrame>
+          <p:nvGraphicFramePr>
+            <p:cNvPr id="12" name="Object 11"/>
+            <p:cNvGraphicFramePr>
+              <a:graphicFrameLocks noChangeAspect="1"/>
+            </p:cNvGraphicFramePr>
+            <p:nvPr/>
+          </p:nvGraphicFramePr>
+          <p:xfrm>
+            <a:off x="4191000" y="2705100"/>
+            <a:ext cx="1066800" cy="342900"/>
+          </p:xfrm>
+          <a:graphic>
+            <a:graphicData uri="http://schemas.openxmlformats.org/presentationml/2006/ole">
+              <mc:AlternateContent xmlns:mc="http://schemas.openxmlformats.org/markup-compatibility/2006">
+                <mc:Choice xmlns:v="urn:schemas-microsoft-com:vml" Requires="v">
+                  <p:oleObj spid="_x0000_s344081" name="Equation" r:id="rId6" imgW="1066680" imgH="342720" progId="Equation.DSMT4">
+                    <p:embed/>
+                  </p:oleObj>
+                </mc:Choice>
+                <mc:Fallback>
+                  <p:oleObj name="Equation" r:id="rId6" imgW="1066680" imgH="342720" progId="Equation.DSMT4">
+                    <p:embed/>
+                    <p:pic>
+                      <p:nvPicPr>
+                        <p:cNvPr id="0" name=""/>
+                        <p:cNvPicPr>
+                          <a:picLocks noChangeAspect="1" noChangeArrowheads="1"/>
+                        </p:cNvPicPr>
+                        <p:nvPr/>
+                      </p:nvPicPr>
+                      <p:blipFill>
+                        <a:blip r:embed="rId7">
+                          <a:extLst>
+                            <a:ext uri="{28A0092B-C50C-407E-A947-70E740481C1C}">
+                              <a14:useLocalDpi xmlns:a14="http://schemas.microsoft.com/office/drawing/2010/main" val="0"/>
+                            </a:ext>
+                          </a:extLst>
+                        </a:blip>
+                        <a:srcRect/>
+                        <a:stretch>
+                          <a:fillRect/>
+                        </a:stretch>
+                      </p:blipFill>
+                      <p:spPr bwMode="auto">
+                        <a:xfrm>
+                          <a:off x="4191000" y="2705100"/>
+                          <a:ext cx="1066800" cy="342900"/>
+                        </a:xfrm>
+                        <a:prstGeom prst="rect">
+                          <a:avLst/>
+                        </a:prstGeom>
+                        <a:noFill/>
+                        <a:extLst>
+                          <a:ext uri="{909E8E84-426E-40dd-AFC4-6F175D3DCCD1}">
+                            <a14:hiddenFill xmlns:a14="http://schemas.microsoft.com/office/drawing/2010/main">
+                              <a:solidFill>
+                                <a:srgbClr val="FFFFFF"/>
+                              </a:solidFill>
+                            </a14:hiddenFill>
+                          </a:ext>
+                        </a:extLst>
+                      </p:spPr>
+                    </p:pic>
+                  </p:oleObj>
+                </mc:Fallback>
+              </mc:AlternateContent>
+            </a:graphicData>
+          </a:graphic>
+        </p:graphicFrame>
+      </p:grpSp>
+      <p:graphicFrame>
+        <p:nvGraphicFramePr>
+          <p:cNvPr id="10" name="Object 9"/>
+          <p:cNvGraphicFramePr>
+            <a:graphicFrameLocks noChangeAspect="1"/>
+          </p:cNvGraphicFramePr>
+          <p:nvPr>
+            <p:extLst>
+              <p:ext uri="{D42A27DB-BD31-4B8C-83A1-F6EECF244321}">
+                <p14:modId xmlns:p14="http://schemas.microsoft.com/office/powerpoint/2010/main" val="404883885"/>
+              </p:ext>
+            </p:extLst>
+          </p:nvPr>
+        </p:nvGraphicFramePr>
+        <p:xfrm>
+          <a:off x="914400" y="2971800"/>
+          <a:ext cx="7591148" cy="1143000"/>
+        </p:xfrm>
+        <a:graphic>
+          <a:graphicData uri="http://schemas.openxmlformats.org/presentationml/2006/ole">
+            <mc:AlternateContent xmlns:mc="http://schemas.openxmlformats.org/markup-compatibility/2006">
+              <mc:Choice xmlns:v="urn:schemas-microsoft-com:vml" Requires="v">
+                <p:oleObj spid="_x0000_s344082" name="Equation" r:id="rId8" imgW="1600200" imgH="241300" progId="Equation.DSMT4">
+                  <p:embed/>
+                </p:oleObj>
+              </mc:Choice>
+              <mc:Fallback>
+                <p:oleObj name="Equation" r:id="rId8" imgW="1600200" imgH="241300" progId="Equation.DSMT4">
+                  <p:embed/>
+                  <p:pic>
+                    <p:nvPicPr>
+                      <p:cNvPr id="0" name=""/>
+                      <p:cNvPicPr/>
+                      <p:nvPr/>
+                    </p:nvPicPr>
+                    <p:blipFill>
+                      <a:blip r:embed="rId9"/>
+                      <a:stretch>
+                        <a:fillRect/>
+                      </a:stretch>
+                    </p:blipFill>
+                    <p:spPr>
+                      <a:xfrm>
+                        <a:off x="914400" y="2971800"/>
+                        <a:ext cx="7591148" cy="1143000"/>
+                      </a:xfrm>
+                      <a:prstGeom prst="rect">
+                        <a:avLst/>
+                      </a:prstGeom>
+                    </p:spPr>
+                  </p:pic>
+                </p:oleObj>
+              </mc:Fallback>
+            </mc:AlternateContent>
+          </a:graphicData>
+        </a:graphic>
+      </p:graphicFrame>
+      <p:graphicFrame>
+        <p:nvGraphicFramePr>
+          <p:cNvPr id="2" name="Object 1"/>
+          <p:cNvGraphicFramePr>
+            <a:graphicFrameLocks noChangeAspect="1"/>
+          </p:cNvGraphicFramePr>
+          <p:nvPr>
+            <p:extLst>
+              <p:ext uri="{D42A27DB-BD31-4B8C-83A1-F6EECF244321}">
+                <p14:modId xmlns:p14="http://schemas.microsoft.com/office/powerpoint/2010/main" val="3988133834"/>
+              </p:ext>
+            </p:extLst>
+          </p:nvPr>
+        </p:nvGraphicFramePr>
+        <p:xfrm>
+          <a:off x="381000" y="838200"/>
+          <a:ext cx="2611438" cy="2133600"/>
+        </p:xfrm>
+        <a:graphic>
+          <a:graphicData uri="http://schemas.openxmlformats.org/presentationml/2006/ole">
+            <mc:AlternateContent xmlns:mc="http://schemas.openxmlformats.org/markup-compatibility/2006">
+              <mc:Choice xmlns:v="urn:schemas-microsoft-com:vml" Requires="v">
+                <p:oleObj spid="_x0000_s344083" name="Equation" r:id="rId10" imgW="622300" imgH="444500" progId="Equation.DSMT4">
+                  <p:embed/>
+                </p:oleObj>
+              </mc:Choice>
+              <mc:Fallback>
+                <p:oleObj name="Equation" r:id="rId10" imgW="622300" imgH="444500" progId="Equation.DSMT4">
+                  <p:embed/>
+                  <p:pic>
+                    <p:nvPicPr>
+                      <p:cNvPr id="0" name=""/>
+                      <p:cNvPicPr/>
+                      <p:nvPr/>
+                    </p:nvPicPr>
+                    <p:blipFill>
+                      <a:blip r:embed="rId11"/>
+                      <a:stretch>
+                        <a:fillRect/>
+                      </a:stretch>
+                    </p:blipFill>
+                    <p:spPr>
+                      <a:xfrm>
+                        <a:off x="381000" y="838200"/>
+                        <a:ext cx="2611438" cy="2133600"/>
+                      </a:xfrm>
+                      <a:prstGeom prst="rect">
+                        <a:avLst/>
+                      </a:prstGeom>
+                    </p:spPr>
+                  </p:pic>
+                </p:oleObj>
+              </mc:Fallback>
+            </mc:AlternateContent>
+          </a:graphicData>
+        </a:graphic>
+      </p:graphicFrame>
+      <p:sp>
+        <p:nvSpPr>
+          <p:cNvPr id="11" name="Rectangle 2"/>
+          <p:cNvSpPr>
+            <a:spLocks noGrp="1" noChangeArrowheads="1"/>
+          </p:cNvSpPr>
+          <p:nvPr>
+            <p:ph type="title"/>
+          </p:nvPr>
+        </p:nvSpPr>
+        <p:spPr>
+          <a:xfrm>
+            <a:off x="1447800" y="304800"/>
+            <a:ext cx="7543800" cy="1143000"/>
+          </a:xfrm>
+        </p:spPr>
+        <p:txBody>
+          <a:bodyPr/>
+          <a:lstStyle/>
+          <a:p>
+            <a:pPr eaLnBrk="1" hangingPunct="1"/>
+            <a:r>
+              <a:rPr lang="en-US" sz="4400" dirty="0" smtClean="0"/>
+              <a:t>Gen </a:t>
+            </a:r>
+            <a:r>
+              <a:rPr lang="en-US" sz="4400" dirty="0" err="1" smtClean="0"/>
+              <a:t>Func</a:t>
+            </a:r>
+            <a:r>
+              <a:rPr lang="en-US" sz="4400" dirty="0" smtClean="0"/>
+              <a:t> for</a:t>
+            </a:r>
+            <a:r>
+              <a:rPr lang="en-US" dirty="0" smtClean="0"/>
+              <a:t> </a:t>
+            </a:r>
+            <a:endParaRPr lang="en-US" dirty="0" smtClean="0"/>
+          </a:p>
+        </p:txBody>
+      </p:sp>
+      <p:graphicFrame>
+        <p:nvGraphicFramePr>
+          <p:cNvPr id="15" name="Object 14"/>
+          <p:cNvGraphicFramePr>
+            <a:graphicFrameLocks noChangeAspect="1"/>
+          </p:cNvGraphicFramePr>
+          <p:nvPr>
+            <p:extLst>
+              <p:ext uri="{D42A27DB-BD31-4B8C-83A1-F6EECF244321}">
+                <p14:modId xmlns:p14="http://schemas.microsoft.com/office/powerpoint/2010/main" val="1331001213"/>
+              </p:ext>
+            </p:extLst>
+          </p:nvPr>
+        </p:nvGraphicFramePr>
+        <p:xfrm>
+          <a:off x="5392738" y="422275"/>
+          <a:ext cx="873125" cy="873125"/>
+        </p:xfrm>
+        <a:graphic>
+          <a:graphicData uri="http://schemas.openxmlformats.org/presentationml/2006/ole">
+            <mc:AlternateContent xmlns:mc="http://schemas.openxmlformats.org/markup-compatibility/2006">
+              <mc:Choice xmlns:v="urn:schemas-microsoft-com:vml" Requires="v">
+                <p:oleObj spid="_x0000_s344084" name="Equation" r:id="rId12" imgW="165100" imgH="165100" progId="Equation.DSMT4">
+                  <p:embed/>
+                </p:oleObj>
+              </mc:Choice>
+              <mc:Fallback>
+                <p:oleObj name="Equation" r:id="rId12" imgW="165100" imgH="165100" progId="Equation.DSMT4">
+                  <p:embed/>
+                  <p:pic>
+                    <p:nvPicPr>
+                      <p:cNvPr id="0" name=""/>
+                      <p:cNvPicPr/>
+                      <p:nvPr/>
+                    </p:nvPicPr>
+                    <p:blipFill>
+                      <a:blip r:embed="rId13"/>
+                      <a:stretch>
+                        <a:fillRect/>
+                      </a:stretch>
+                    </p:blipFill>
+                    <p:spPr>
+                      <a:xfrm>
+                        <a:off x="5392738" y="422275"/>
+                        <a:ext cx="873125" cy="873125"/>
+                      </a:xfrm>
+                      <a:prstGeom prst="rect">
+                        <a:avLst/>
+                      </a:prstGeom>
+                    </p:spPr>
+                  </p:pic>
+                </p:oleObj>
+              </mc:Fallback>
+            </mc:AlternateContent>
+          </a:graphicData>
+        </a:graphic>
+      </p:graphicFrame>
+    </p:spTree>
+    <p:extLst>
+      <p:ext uri="{BB962C8B-B14F-4D97-AF65-F5344CB8AC3E}">
+        <p14:creationId xmlns:p14="http://schemas.microsoft.com/office/powerpoint/2010/main" val="123535377"/>
+      </p:ext>
+    </p:extLst>
+  </p:cSld>
+  <p:clrMapOvr>
+    <a:masterClrMapping/>
+  </p:clrMapOvr>
+  <mc:AlternateContent xmlns:mc="http://schemas.openxmlformats.org/markup-compatibility/2006">
+    <mc:Choice xmlns:p14="http://schemas.microsoft.com/office/powerpoint/2010/main" Requires="p14">
+      <p:transition spd="med" p14:dur="700" advClick="0">
+        <p:fade thruBlk="1"/>
+      </p:transition>
+    </mc:Choice>
+    <mc:Fallback>
+      <p:transition xmlns:p14="http://schemas.microsoft.com/office/powerpoint/2010/main" spd="med" advClick="0">
+        <p:fade thruBlk="1"/>
+      </p:transition>
+    </mc:Fallback>
+  </mc:AlternateContent>
+  <p:timing>
+    <p:tnLst>
+      <p:par>
+        <p:cTn xmlns:p14="http://schemas.microsoft.com/office/powerpoint/2010/main" id="1" dur="indefinite" restart="never" nodeType="tmRoot">
+          <p:childTnLst>
+            <p:seq concurrent="1" nextAc="seek">
+              <p:cTn id="2" dur="indefinite" nodeType="mainSeq">
+                <p:childTnLst>
+                  <p:par>
+                    <p:cTn id="3" fill="hold">
+                      <p:stCondLst>
+                        <p:cond delay="indefinite"/>
+                      </p:stCondLst>
+                      <p:childTnLst>
+                        <p:par>
+                          <p:cTn id="4" fill="hold">
+                            <p:stCondLst>
+                              <p:cond delay="0"/>
+                            </p:stCondLst>
+                            <p:childTnLst>
+                              <p:par>
+                                <p:cTn id="5" presetID="22" presetClass="entr" presetSubtype="8" fill="hold" nodeType="clickEffect">
+                                  <p:stCondLst>
+                                    <p:cond delay="0"/>
+                                  </p:stCondLst>
+                                  <p:childTnLst>
+                                    <p:set>
+                                      <p:cBhvr>
+                                        <p:cTn id="6" dur="1" fill="hold">
+                                          <p:stCondLst>
+                                            <p:cond delay="0"/>
+                                          </p:stCondLst>
+                                        </p:cTn>
+                                        <p:tgtEl>
+                                          <p:spTgt spid="10"/>
+                                        </p:tgtEl>
+                                        <p:attrNameLst>
+                                          <p:attrName>style.visibility</p:attrName>
+                                        </p:attrNameLst>
+                                      </p:cBhvr>
+                                      <p:to>
+                                        <p:strVal val="visible"/>
+                                      </p:to>
+                                    </p:set>
+                                    <p:animEffect transition="in" filter="wipe(left)">
+                                      <p:cBhvr>
+                                        <p:cTn id="7" dur="1000"/>
+                                        <p:tgtEl>
+                                          <p:spTgt spid="10"/>
+                                        </p:tgtEl>
+                                      </p:cBhvr>
+                                    </p:animEffect>
+                                  </p:childTnLst>
+                                </p:cTn>
+                              </p:par>
+                            </p:childTnLst>
+                          </p:cTn>
+                        </p:par>
+                      </p:childTnLst>
+                    </p:cTn>
+                  </p:par>
+                  <p:par>
+                    <p:cTn id="8" fill="hold">
+                      <p:stCondLst>
+                        <p:cond delay="indefinite"/>
+                      </p:stCondLst>
+                      <p:childTnLst>
+                        <p:par>
+                          <p:cTn id="9" fill="hold">
+                            <p:stCondLst>
+                              <p:cond delay="0"/>
+                            </p:stCondLst>
+                            <p:childTnLst>
+                              <p:par>
+                                <p:cTn id="10" presetID="10" presetClass="entr" presetSubtype="0" fill="hold" nodeType="clickEffect">
+                                  <p:stCondLst>
+                                    <p:cond delay="0"/>
+                                  </p:stCondLst>
+                                  <p:childTnLst>
+                                    <p:set>
+                                      <p:cBhvr>
+                                        <p:cTn id="11" dur="1" fill="hold">
+                                          <p:stCondLst>
+                                            <p:cond delay="0"/>
+                                          </p:stCondLst>
+                                        </p:cTn>
+                                        <p:tgtEl>
+                                          <p:spTgt spid="13"/>
+                                        </p:tgtEl>
+                                        <p:attrNameLst>
+                                          <p:attrName>style.visibility</p:attrName>
+                                        </p:attrNameLst>
+                                      </p:cBhvr>
+                                      <p:to>
+                                        <p:strVal val="visible"/>
+                                      </p:to>
+                                    </p:set>
+                                    <p:animEffect transition="in" filter="fade">
+                                      <p:cBhvr>
+                                        <p:cTn id="12" dur="500"/>
+                                        <p:tgtEl>
+                                          <p:spTgt spid="13"/>
+                                        </p:tgtEl>
+                                      </p:cBhvr>
+                                    </p:animEffect>
+                                  </p:childTnLst>
+                                </p:cTn>
+                              </p:par>
+                            </p:childTnLst>
+                          </p:cTn>
+                        </p:par>
+                      </p:childTnLst>
+                    </p:cTn>
+                  </p:par>
+                  <p:par>
+                    <p:cTn id="13" fill="hold">
+                      <p:stCondLst>
+                        <p:cond delay="indefinite"/>
+                      </p:stCondLst>
+                      <p:childTnLst>
+                        <p:par>
+                          <p:cTn id="14" fill="hold">
+                            <p:stCondLst>
+                              <p:cond delay="0"/>
+                            </p:stCondLst>
+                            <p:childTnLst>
+                              <p:par>
+                                <p:cTn id="15" presetID="22" presetClass="entr" presetSubtype="8" fill="hold" nodeType="clickEffect">
+                                  <p:stCondLst>
+                                    <p:cond delay="0"/>
+                                  </p:stCondLst>
+                                  <p:childTnLst>
+                                    <p:set>
+                                      <p:cBhvr>
+                                        <p:cTn id="16" dur="1" fill="hold">
+                                          <p:stCondLst>
+                                            <p:cond delay="0"/>
+                                          </p:stCondLst>
+                                        </p:cTn>
+                                        <p:tgtEl>
+                                          <p:spTgt spid="7"/>
+                                        </p:tgtEl>
+                                        <p:attrNameLst>
+                                          <p:attrName>style.visibility</p:attrName>
+                                        </p:attrNameLst>
+                                      </p:cBhvr>
+                                      <p:to>
+                                        <p:strVal val="visible"/>
+                                      </p:to>
+                                    </p:set>
+                                    <p:animEffect transition="in" filter="wipe(left)">
+                                      <p:cBhvr>
+                                        <p:cTn id="17" dur="1000"/>
+                                        <p:tgtEl>
+                                          <p:spTgt spid="7"/>
+                                        </p:tgtEl>
+                                      </p:cBhvr>
+                                    </p:animEffect>
+                                  </p:childTnLst>
+                                </p:cTn>
+                              </p:par>
+                            </p:childTnLst>
+                          </p:cTn>
+                        </p:par>
+                      </p:childTnLst>
+                    </p:cTn>
+                  </p:par>
+                  <p:par>
+                    <p:cTn id="18" fill="hold">
+                      <p:stCondLst>
+                        <p:cond delay="indefinite"/>
+                      </p:stCondLst>
+                      <p:childTnLst>
+                        <p:par>
+                          <p:cTn id="19" fill="hold">
+                            <p:stCondLst>
+                              <p:cond delay="0"/>
+                            </p:stCondLst>
+                            <p:childTnLst>
+                              <p:par>
+                                <p:cTn id="20" presetID="10" presetClass="entr" presetSubtype="0" fill="hold" grpId="0" nodeType="clickEffect">
+                                  <p:stCondLst>
+                                    <p:cond delay="0"/>
+                                  </p:stCondLst>
+                                  <p:childTnLst>
+                                    <p:set>
+                                      <p:cBhvr>
+                                        <p:cTn id="21" dur="1" fill="hold">
+                                          <p:stCondLst>
+                                            <p:cond delay="0"/>
+                                          </p:stCondLst>
+                                        </p:cTn>
+                                        <p:tgtEl>
+                                          <p:spTgt spid="11"/>
+                                        </p:tgtEl>
+                                        <p:attrNameLst>
+                                          <p:attrName>style.visibility</p:attrName>
+                                        </p:attrNameLst>
+                                      </p:cBhvr>
+                                      <p:to>
+                                        <p:strVal val="visible"/>
+                                      </p:to>
+                                    </p:set>
+                                    <p:animEffect transition="in" filter="fade">
+                                      <p:cBhvr>
+                                        <p:cTn id="22" dur="500"/>
+                                        <p:tgtEl>
+                                          <p:spTgt spid="11"/>
+                                        </p:tgtEl>
+                                      </p:cBhvr>
+                                    </p:animEffect>
+                                  </p:childTnLst>
+                                </p:cTn>
+                              </p:par>
+                              <p:par>
+                                <p:cTn id="23" presetID="10" presetClass="entr" presetSubtype="0" fill="hold" nodeType="withEffect">
+                                  <p:stCondLst>
+                                    <p:cond delay="0"/>
+                                  </p:stCondLst>
+                                  <p:childTnLst>
+                                    <p:set>
+                                      <p:cBhvr>
+                                        <p:cTn id="24" dur="1" fill="hold">
+                                          <p:stCondLst>
+                                            <p:cond delay="0"/>
+                                          </p:stCondLst>
+                                        </p:cTn>
+                                        <p:tgtEl>
+                                          <p:spTgt spid="15"/>
+                                        </p:tgtEl>
+                                        <p:attrNameLst>
+                                          <p:attrName>style.visibility</p:attrName>
+                                        </p:attrNameLst>
+                                      </p:cBhvr>
+                                      <p:to>
+                                        <p:strVal val="visible"/>
+                                      </p:to>
+                                    </p:set>
+                                    <p:animEffect transition="in" filter="fade">
+                                      <p:cBhvr>
+                                        <p:cTn id="25" dur="500"/>
+                                        <p:tgtEl>
+                                          <p:spTgt spid="15"/>
+                                        </p:tgtEl>
+                                      </p:cBhvr>
+                                    </p:animEffect>
+                                  </p:childTnLst>
+                                </p:cTn>
+                              </p:par>
+                            </p:childTnLst>
+                          </p:cTn>
+                        </p:par>
+                      </p:childTnLst>
+                    </p:cTn>
+                  </p:par>
+                </p:childTnLst>
+              </p:cTn>
+              <p:prevCondLst>
+                <p:cond evt="onPrev" delay="0">
+                  <p:tgtEl>
+                    <p:sldTgt/>
+                  </p:tgtEl>
+                </p:cond>
+              </p:prevCondLst>
+              <p:nextCondLst>
+                <p:cond evt="onNext" delay="0">
+                  <p:tgtEl>
+                    <p:sldTgt/>
+                  </p:tgtEl>
+                </p:cond>
+              </p:nextCondLst>
+            </p:seq>
+          </p:childTnLst>
+        </p:cTn>
+      </p:par>
+    </p:tnLst>
+    <p:bldLst>
+      <p:bldP spid="11" grpId="0"/>
+    </p:bldLst>
   </p:timing>
 </p:sld>
 </file>
@@ -4743,13 +6862,8 @@
             <a:pPr eaLnBrk="1" hangingPunct="1"/>
             <a:r>
               <a:rPr lang="en-US" dirty="0" smtClean="0"/>
-              <a:t>Infinite Geometric </a:t>
-            </a:r>
-            <a:r>
-              <a:rPr lang="en-US" dirty="0" smtClean="0"/>
-              <a:t>Series</a:t>
-            </a:r>
-            <a:endParaRPr lang="en-US" dirty="0" smtClean="0"/>
+              <a:t>Infinite Geometric Series</a:t>
+            </a:r>
           </a:p>
         </p:txBody>
       </p:sp>
@@ -4769,7 +6883,7 @@
           <a:graphicData uri="http://schemas.openxmlformats.org/presentationml/2006/ole">
             <mc:AlternateContent xmlns:mc="http://schemas.openxmlformats.org/markup-compatibility/2006">
               <mc:Choice xmlns:v="urn:schemas-microsoft-com:vml" Requires="v">
-                <p:oleObj spid="_x0000_s251988" name="Equation" r:id="rId4" imgW="2159000" imgH="241300" progId="Equation.DSMT4">
+                <p:oleObj spid="_x0000_s252001" name="Equation" r:id="rId4" imgW="2159000" imgH="241300" progId="Equation.DSMT4">
                   <p:embed/>
                 </p:oleObj>
               </mc:Choice>
@@ -4846,11 +6960,11 @@
           <a:p>
             <a:r>
               <a:rPr lang="en-US" dirty="0" err="1" smtClean="0"/>
-              <a:t>lec</a:t>
+              <a:t>genfuncintro</a:t>
             </a:r>
             <a:r>
               <a:rPr lang="en-US" dirty="0" smtClean="0"/>
-              <a:t> 11M.</a:t>
+              <a:t>.</a:t>
             </a:r>
             <a:fld id="{B20F91F6-F4EE-490C-AA68-F15A44211122}" type="slidenum">
               <a:rPr lang="en-US" smtClean="0"/>
@@ -4877,7 +6991,7 @@
           <a:graphicData uri="http://schemas.openxmlformats.org/presentationml/2006/ole">
             <mc:AlternateContent xmlns:mc="http://schemas.openxmlformats.org/markup-compatibility/2006">
               <mc:Choice xmlns:v="urn:schemas-microsoft-com:vml" Requires="v">
-                <p:oleObj spid="_x0000_s251989" name="Equation" r:id="rId6" imgW="647700" imgH="215900" progId="Equation.DSMT4">
+                <p:oleObj spid="_x0000_s252002" name="Equation" r:id="rId6" imgW="647700" imgH="215900" progId="Equation.DSMT4">
                   <p:embed/>
                 </p:oleObj>
               </mc:Choice>
@@ -4947,7 +7061,7 @@
           <a:graphicData uri="http://schemas.openxmlformats.org/presentationml/2006/ole">
             <mc:AlternateContent xmlns:mc="http://schemas.openxmlformats.org/markup-compatibility/2006">
               <mc:Choice xmlns:v="urn:schemas-microsoft-com:vml" Requires="v">
-                <p:oleObj spid="_x0000_s251990" name="Equation" r:id="rId8" imgW="1244600" imgH="241300" progId="Equation.DSMT4">
+                <p:oleObj spid="_x0000_s252003" name="Equation" r:id="rId8" imgW="1244600" imgH="241300" progId="Equation.DSMT4">
                   <p:embed/>
                 </p:oleObj>
               </mc:Choice>
@@ -5006,7 +7120,7 @@
   <p:clrMapOvr>
     <a:masterClrMapping/>
   </p:clrMapOvr>
-  <p:transition xmlns:p14="http://schemas.microsoft.com/office/powerpoint/2010/main">
+  <p:transition xmlns:p14="http://schemas.microsoft.com/office/powerpoint/2010/main" spd="slow" advClick="0">
     <p:fade thruBlk="1"/>
   </p:transition>
   <p:timing>
@@ -5166,13 +7280,8 @@
             <a:pPr eaLnBrk="1" hangingPunct="1"/>
             <a:r>
               <a:rPr lang="en-US" dirty="0" smtClean="0"/>
-              <a:t>Infinite Geometric </a:t>
-            </a:r>
-            <a:r>
-              <a:rPr lang="en-US" dirty="0" smtClean="0"/>
-              <a:t>Series</a:t>
-            </a:r>
-            <a:endParaRPr lang="en-US" dirty="0" smtClean="0"/>
+              <a:t>Infinite Geometric Series</a:t>
+            </a:r>
           </a:p>
         </p:txBody>
       </p:sp>
@@ -5192,7 +7301,7 @@
           <a:graphicData uri="http://schemas.openxmlformats.org/presentationml/2006/ole">
             <mc:AlternateContent xmlns:mc="http://schemas.openxmlformats.org/markup-compatibility/2006">
               <mc:Choice xmlns:v="urn:schemas-microsoft-com:vml" Requires="v">
-                <p:oleObj spid="_x0000_s334881" name="Equation" r:id="rId4" imgW="2159000" imgH="241300" progId="Equation.DSMT4">
+                <p:oleObj spid="_x0000_s334898" name="Equation" r:id="rId4" imgW="2159000" imgH="241300" progId="Equation.DSMT4">
                   <p:embed/>
                 </p:oleObj>
               </mc:Choice>
@@ -5505,11 +7614,11 @@
           <a:p>
             <a:r>
               <a:rPr lang="en-US" dirty="0" err="1" smtClean="0"/>
-              <a:t>lec</a:t>
+              <a:t>genfuncintro</a:t>
             </a:r>
             <a:r>
               <a:rPr lang="en-US" dirty="0" smtClean="0"/>
-              <a:t> 11M.</a:t>
+              <a:t>.</a:t>
             </a:r>
             <a:fld id="{B20F91F6-F4EE-490C-AA68-F15A44211122}" type="slidenum">
               <a:rPr lang="en-US" smtClean="0"/>
@@ -5574,7 +7683,7 @@
           <a:graphicData uri="http://schemas.openxmlformats.org/presentationml/2006/ole">
             <mc:AlternateContent xmlns:mc="http://schemas.openxmlformats.org/markup-compatibility/2006">
               <mc:Choice xmlns:v="urn:schemas-microsoft-com:vml" Requires="v">
-                <p:oleObj spid="_x0000_s334882" name="Equation" r:id="rId6" imgW="647700" imgH="215900" progId="Equation.DSMT4">
+                <p:oleObj spid="_x0000_s334899" name="Equation" r:id="rId6" imgW="647700" imgH="215900" progId="Equation.DSMT4">
                   <p:embed/>
                 </p:oleObj>
               </mc:Choice>
@@ -5644,7 +7753,7 @@
           <a:graphicData uri="http://schemas.openxmlformats.org/presentationml/2006/ole">
             <mc:AlternateContent xmlns:mc="http://schemas.openxmlformats.org/markup-compatibility/2006">
               <mc:Choice xmlns:v="urn:schemas-microsoft-com:vml" Requires="v">
-                <p:oleObj spid="_x0000_s334883" name="Equation" r:id="rId8" imgW="1244600" imgH="241300" progId="Equation.DSMT4">
+                <p:oleObj spid="_x0000_s334900" name="Equation" r:id="rId8" imgW="1244600" imgH="241300" progId="Equation.DSMT4">
                   <p:embed/>
                 </p:oleObj>
               </mc:Choice>
@@ -5720,7 +7829,7 @@
           <a:graphicData uri="http://schemas.openxmlformats.org/presentationml/2006/ole">
             <mc:AlternateContent xmlns:mc="http://schemas.openxmlformats.org/markup-compatibility/2006">
               <mc:Choice xmlns:v="urn:schemas-microsoft-com:vml" Requires="v">
-                <p:oleObj spid="_x0000_s334884" name="Equation" r:id="rId10" imgW="381000" imgH="469900" progId="Equation.DSMT4">
+                <p:oleObj spid="_x0000_s334901" name="Equation" r:id="rId10" imgW="381000" imgH="469900" progId="Equation.DSMT4">
                   <p:embed/>
                 </p:oleObj>
               </mc:Choice>
@@ -5814,7 +7923,14 @@
   <p:clrMapOvr>
     <a:masterClrMapping/>
   </p:clrMapOvr>
-  <p:transition xmlns:p14="http://schemas.microsoft.com/office/powerpoint/2010/main"/>
+  <mc:AlternateContent xmlns:mc="http://schemas.openxmlformats.org/markup-compatibility/2006">
+    <mc:Choice xmlns:p14="http://schemas.microsoft.com/office/powerpoint/2010/main" Requires="p14">
+      <p:transition p14:dur="0" advClick="0"/>
+    </mc:Choice>
+    <mc:Fallback>
+      <p:transition xmlns:p14="http://schemas.microsoft.com/office/powerpoint/2010/main" advClick="0"/>
+    </mc:Fallback>
+  </mc:AlternateContent>
   <p:timing>
     <p:tnLst>
       <p:par>
@@ -6272,6 +8388,73 @@
       </p:grpSpPr>
       <p:sp>
         <p:nvSpPr>
+          <p:cNvPr id="8" name="Rectangle 7"/>
+          <p:cNvSpPr/>
+          <p:nvPr/>
+        </p:nvSpPr>
+        <p:spPr bwMode="auto">
+          <a:xfrm>
+            <a:off x="304800" y="4495800"/>
+            <a:ext cx="8305800" cy="1524000"/>
+          </a:xfrm>
+          <a:prstGeom prst="rect">
+            <a:avLst/>
+          </a:prstGeom>
+          <a:solidFill>
+            <a:schemeClr val="accent1">
+              <a:alpha val="0"/>
+            </a:schemeClr>
+          </a:solidFill>
+          <a:ln w="41275" cap="flat" cmpd="sng" algn="ctr">
+            <a:solidFill>
+              <a:srgbClr val="FF00FF"/>
+            </a:solidFill>
+            <a:prstDash val="sysDash"/>
+            <a:round/>
+            <a:headEnd type="none" w="med" len="med"/>
+            <a:tailEnd type="none" w="med" len="med"/>
+          </a:ln>
+          <a:effectLst/>
+        </p:spPr>
+        <p:txBody>
+          <a:bodyPr vert="horz" wrap="square" lIns="91440" tIns="45720" rIns="91440" bIns="45720" numCol="1" rtlCol="0" anchor="t" anchorCtr="0" compatLnSpc="1">
+            <a:prstTxWarp prst="textNoShape">
+              <a:avLst/>
+            </a:prstTxWarp>
+          </a:bodyPr>
+          <a:lstStyle/>
+          <a:p>
+            <a:pPr marL="0" marR="0" indent="0" algn="l" defTabSz="914400" rtl="0" eaLnBrk="1" fontAlgn="base" latinLnBrk="0" hangingPunct="1">
+              <a:lnSpc>
+                <a:spcPct val="100000"/>
+              </a:lnSpc>
+              <a:spcBef>
+                <a:spcPct val="0"/>
+              </a:spcBef>
+              <a:spcAft>
+                <a:spcPct val="0"/>
+              </a:spcAft>
+              <a:buClrTx/>
+              <a:buSzTx/>
+              <a:buFontTx/>
+              <a:buNone/>
+              <a:tabLst/>
+            </a:pPr>
+            <a:endParaRPr kumimoji="0" lang="en-US" sz="4400" b="0" i="0" u="none" strike="noStrike" cap="none" normalizeH="0" baseline="0" smtClean="0">
+              <a:ln>
+                <a:noFill/>
+              </a:ln>
+              <a:solidFill>
+                <a:schemeClr val="tx1"/>
+              </a:solidFill>
+              <a:effectLst/>
+              <a:latin typeface="Comic Sans MS" pitchFamily="66" charset="0"/>
+            </a:endParaRPr>
+          </a:p>
+        </p:txBody>
+      </p:sp>
+      <p:sp>
+        <p:nvSpPr>
           <p:cNvPr id="3077" name="Rectangle 2"/>
           <p:cNvSpPr>
             <a:spLocks noGrp="1" noChangeArrowheads="1"/>
@@ -6288,13 +8471,8 @@
             <a:pPr eaLnBrk="1" hangingPunct="1"/>
             <a:r>
               <a:rPr lang="en-US" dirty="0" smtClean="0"/>
-              <a:t>Infinite Geometric </a:t>
-            </a:r>
-            <a:r>
-              <a:rPr lang="en-US" dirty="0" smtClean="0"/>
-              <a:t>Series</a:t>
-            </a:r>
-            <a:endParaRPr lang="en-US" dirty="0" smtClean="0"/>
+              <a:t>Infinite Geometric Series</a:t>
+            </a:r>
           </a:p>
         </p:txBody>
       </p:sp>
@@ -6314,7 +8492,7 @@
           <a:graphicData uri="http://schemas.openxmlformats.org/presentationml/2006/ole">
             <mc:AlternateContent xmlns:mc="http://schemas.openxmlformats.org/markup-compatibility/2006">
               <mc:Choice xmlns:v="urn:schemas-microsoft-com:vml" Requires="v">
-                <p:oleObj spid="_x0000_s316556" name="Equation" r:id="rId4" imgW="2159000" imgH="241300" progId="Equation.DSMT4">
+                <p:oleObj spid="_x0000_s316577" name="Equation" r:id="rId4" imgW="2159000" imgH="241300" progId="Equation.DSMT4">
                   <p:embed/>
                 </p:oleObj>
               </mc:Choice>
@@ -6627,11 +8805,11 @@
           <a:p>
             <a:r>
               <a:rPr lang="en-US" dirty="0" err="1" smtClean="0"/>
-              <a:t>lec</a:t>
+              <a:t>genfuncintro</a:t>
             </a:r>
             <a:r>
               <a:rPr lang="en-US" dirty="0" smtClean="0"/>
-              <a:t> 11M.</a:t>
+              <a:t>.</a:t>
             </a:r>
             <a:fld id="{B20F91F6-F4EE-490C-AA68-F15A44211122}" type="slidenum">
               <a:rPr lang="en-US" smtClean="0"/>
@@ -6696,7 +8874,7 @@
           <a:graphicData uri="http://schemas.openxmlformats.org/presentationml/2006/ole">
             <mc:AlternateContent xmlns:mc="http://schemas.openxmlformats.org/markup-compatibility/2006">
               <mc:Choice xmlns:v="urn:schemas-microsoft-com:vml" Requires="v">
-                <p:oleObj spid="_x0000_s316557" name="Equation" r:id="rId6" imgW="647700" imgH="215900" progId="Equation.DSMT4">
+                <p:oleObj spid="_x0000_s316578" name="Equation" r:id="rId6" imgW="647700" imgH="215900" progId="Equation.DSMT4">
                   <p:embed/>
                 </p:oleObj>
               </mc:Choice>
@@ -6766,7 +8944,7 @@
           <a:graphicData uri="http://schemas.openxmlformats.org/presentationml/2006/ole">
             <mc:AlternateContent xmlns:mc="http://schemas.openxmlformats.org/markup-compatibility/2006">
               <mc:Choice xmlns:v="urn:schemas-microsoft-com:vml" Requires="v">
-                <p:oleObj spid="_x0000_s316558" name="Equation" r:id="rId8" imgW="1244600" imgH="241300" progId="Equation.DSMT4">
+                <p:oleObj spid="_x0000_s316579" name="Equation" r:id="rId8" imgW="1244600" imgH="241300" progId="Equation.DSMT4">
                   <p:embed/>
                 </p:oleObj>
               </mc:Choice>
@@ -6822,14 +9000,71 @@
       </p:graphicFrame>
       <p:graphicFrame>
         <p:nvGraphicFramePr>
-          <p:cNvPr id="2" name="Object 1"/>
+          <p:cNvPr id="6" name="Object 5"/>
           <p:cNvGraphicFramePr>
             <a:graphicFrameLocks noChangeAspect="1"/>
           </p:cNvGraphicFramePr>
           <p:nvPr>
             <p:extLst>
               <p:ext uri="{D42A27DB-BD31-4B8C-83A1-F6EECF244321}">
-                <p14:modId xmlns:p14="http://schemas.microsoft.com/office/powerpoint/2010/main" val="1840656714"/>
+                <p14:modId xmlns:p14="http://schemas.microsoft.com/office/powerpoint/2010/main" val="3506709095"/>
+              </p:ext>
+            </p:extLst>
+          </p:nvPr>
+        </p:nvGraphicFramePr>
+        <p:xfrm>
+          <a:off x="7010400" y="4343400"/>
+          <a:ext cx="1276350" cy="1574165"/>
+        </p:xfrm>
+        <a:graphic>
+          <a:graphicData uri="http://schemas.openxmlformats.org/presentationml/2006/ole">
+            <mc:AlternateContent xmlns:mc="http://schemas.openxmlformats.org/markup-compatibility/2006">
+              <mc:Choice xmlns:v="urn:schemas-microsoft-com:vml" Requires="v">
+                <p:oleObj spid="_x0000_s316580" name="Equation" r:id="rId10" imgW="381000" imgH="469900" progId="Equation.DSMT4">
+                  <p:embed/>
+                </p:oleObj>
+              </mc:Choice>
+              <mc:Fallback>
+                <p:oleObj name="Equation" r:id="rId10" imgW="381000" imgH="469900" progId="Equation.DSMT4">
+                  <p:embed/>
+                  <p:pic>
+                    <p:nvPicPr>
+                      <p:cNvPr id="0" name=""/>
+                      <p:cNvPicPr/>
+                      <p:nvPr/>
+                    </p:nvPicPr>
+                    <p:blipFill>
+                      <a:blip r:embed="rId11"/>
+                      <a:stretch>
+                        <a:fillRect/>
+                      </a:stretch>
+                    </p:blipFill>
+                    <p:spPr>
+                      <a:xfrm>
+                        <a:off x="7010400" y="4343400"/>
+                        <a:ext cx="1276350" cy="1574165"/>
+                      </a:xfrm>
+                      <a:prstGeom prst="rect">
+                        <a:avLst/>
+                      </a:prstGeom>
+                    </p:spPr>
+                  </p:pic>
+                </p:oleObj>
+              </mc:Fallback>
+            </mc:AlternateContent>
+          </a:graphicData>
+        </a:graphic>
+      </p:graphicFrame>
+      <p:graphicFrame>
+        <p:nvGraphicFramePr>
+          <p:cNvPr id="17" name="Object 16"/>
+          <p:cNvGraphicFramePr>
+            <a:graphicFrameLocks noChangeAspect="1"/>
+          </p:cNvGraphicFramePr>
+          <p:nvPr>
+            <p:extLst>
+              <p:ext uri="{D42A27DB-BD31-4B8C-83A1-F6EECF244321}">
+                <p14:modId xmlns:p14="http://schemas.microsoft.com/office/powerpoint/2010/main" val="2588653948"/>
               </p:ext>
             </p:extLst>
           </p:nvPr>
@@ -6842,12 +9077,12 @@
           <a:graphicData uri="http://schemas.openxmlformats.org/presentationml/2006/ole">
             <mc:AlternateContent xmlns:mc="http://schemas.openxmlformats.org/markup-compatibility/2006">
               <mc:Choice xmlns:v="urn:schemas-microsoft-com:vml" Requires="v">
-                <p:oleObj spid="_x0000_s316559" name="Equation" r:id="rId10" imgW="1524000" imgH="241300" progId="Equation.DSMT4">
+                <p:oleObj spid="_x0000_s316581" name="Equation" r:id="rId12" imgW="1524000" imgH="241300" progId="Equation.DSMT4">
                   <p:embed/>
                 </p:oleObj>
               </mc:Choice>
               <mc:Fallback>
-                <p:oleObj name="Equation" r:id="rId10" imgW="1524000" imgH="241300" progId="Equation.DSMT4">
+                <p:oleObj name="Equation" r:id="rId12" imgW="1524000" imgH="241300" progId="Equation.DSMT4">
                   <p:embed/>
                   <p:pic>
                     <p:nvPicPr>
@@ -6856,7 +9091,7 @@
                       <p:nvPr/>
                     </p:nvPicPr>
                     <p:blipFill>
-                      <a:blip r:embed="rId11"/>
+                      <a:blip r:embed="rId13"/>
                       <a:stretch>
                         <a:fillRect/>
                       </a:stretch>
@@ -6877,136 +9112,14 @@
           </a:graphicData>
         </a:graphic>
       </p:graphicFrame>
-      <p:graphicFrame>
-        <p:nvGraphicFramePr>
-          <p:cNvPr id="6" name="Object 5"/>
-          <p:cNvGraphicFramePr>
-            <a:graphicFrameLocks noChangeAspect="1"/>
-          </p:cNvGraphicFramePr>
-          <p:nvPr>
-            <p:extLst>
-              <p:ext uri="{D42A27DB-BD31-4B8C-83A1-F6EECF244321}">
-                <p14:modId xmlns:p14="http://schemas.microsoft.com/office/powerpoint/2010/main" val="3506709095"/>
-              </p:ext>
-            </p:extLst>
-          </p:nvPr>
-        </p:nvGraphicFramePr>
-        <p:xfrm>
-          <a:off x="7010400" y="4343400"/>
-          <a:ext cx="1276350" cy="1574165"/>
-        </p:xfrm>
-        <a:graphic>
-          <a:graphicData uri="http://schemas.openxmlformats.org/presentationml/2006/ole">
-            <mc:AlternateContent xmlns:mc="http://schemas.openxmlformats.org/markup-compatibility/2006">
-              <mc:Choice xmlns:v="urn:schemas-microsoft-com:vml" Requires="v">
-                <p:oleObj spid="_x0000_s316560" name="Equation" r:id="rId12" imgW="381000" imgH="469900" progId="Equation.DSMT4">
-                  <p:embed/>
-                </p:oleObj>
-              </mc:Choice>
-              <mc:Fallback>
-                <p:oleObj name="Equation" r:id="rId12" imgW="381000" imgH="469900" progId="Equation.DSMT4">
-                  <p:embed/>
-                  <p:pic>
-                    <p:nvPicPr>
-                      <p:cNvPr id="0" name=""/>
-                      <p:cNvPicPr/>
-                      <p:nvPr/>
-                    </p:nvPicPr>
-                    <p:blipFill>
-                      <a:blip r:embed="rId13"/>
-                      <a:stretch>
-                        <a:fillRect/>
-                      </a:stretch>
-                    </p:blipFill>
-                    <p:spPr>
-                      <a:xfrm>
-                        <a:off x="7010400" y="4343400"/>
-                        <a:ext cx="1276350" cy="1574165"/>
-                      </a:xfrm>
-                      <a:prstGeom prst="rect">
-                        <a:avLst/>
-                      </a:prstGeom>
-                    </p:spPr>
-                  </p:pic>
-                </p:oleObj>
-              </mc:Fallback>
-            </mc:AlternateContent>
-          </a:graphicData>
-        </a:graphic>
-      </p:graphicFrame>
-      <p:sp>
-        <p:nvSpPr>
-          <p:cNvPr id="8" name="Rectangle 7"/>
-          <p:cNvSpPr/>
-          <p:nvPr/>
-        </p:nvSpPr>
-        <p:spPr bwMode="auto">
-          <a:xfrm>
-            <a:off x="304800" y="4495800"/>
-            <a:ext cx="8305800" cy="1524000"/>
-          </a:xfrm>
-          <a:prstGeom prst="rect">
-            <a:avLst/>
-          </a:prstGeom>
-          <a:solidFill>
-            <a:schemeClr val="accent1">
-              <a:alpha val="0"/>
-            </a:schemeClr>
-          </a:solidFill>
-          <a:ln w="41275" cap="flat" cmpd="sng" algn="ctr">
-            <a:solidFill>
-              <a:srgbClr val="FF00FF"/>
-            </a:solidFill>
-            <a:prstDash val="sysDash"/>
-            <a:round/>
-            <a:headEnd type="none" w="med" len="med"/>
-            <a:tailEnd type="none" w="med" len="med"/>
-          </a:ln>
-          <a:effectLst/>
-        </p:spPr>
-        <p:txBody>
-          <a:bodyPr vert="horz" wrap="square" lIns="91440" tIns="45720" rIns="91440" bIns="45720" numCol="1" rtlCol="0" anchor="t" anchorCtr="0" compatLnSpc="1">
-            <a:prstTxWarp prst="textNoShape">
-              <a:avLst/>
-            </a:prstTxWarp>
-          </a:bodyPr>
-          <a:lstStyle/>
-          <a:p>
-            <a:pPr marL="0" marR="0" indent="0" algn="l" defTabSz="914400" rtl="0" eaLnBrk="1" fontAlgn="base" latinLnBrk="0" hangingPunct="1">
-              <a:lnSpc>
-                <a:spcPct val="100000"/>
-              </a:lnSpc>
-              <a:spcBef>
-                <a:spcPct val="0"/>
-              </a:spcBef>
-              <a:spcAft>
-                <a:spcPct val="0"/>
-              </a:spcAft>
-              <a:buClrTx/>
-              <a:buSzTx/>
-              <a:buFontTx/>
-              <a:buNone/>
-              <a:tabLst/>
-            </a:pPr>
-            <a:endParaRPr kumimoji="0" lang="en-US" sz="4400" b="0" i="0" u="none" strike="noStrike" cap="none" normalizeH="0" baseline="0" smtClean="0">
-              <a:ln>
-                <a:noFill/>
-              </a:ln>
-              <a:solidFill>
-                <a:schemeClr val="tx1"/>
-              </a:solidFill>
-              <a:effectLst/>
-              <a:latin typeface="Comic Sans MS" pitchFamily="66" charset="0"/>
-            </a:endParaRPr>
-          </a:p>
-        </p:txBody>
-      </p:sp>
     </p:spTree>
   </p:cSld>
   <p:clrMapOvr>
     <a:masterClrMapping/>
   </p:clrMapOvr>
-  <p:transition xmlns:p14="http://schemas.microsoft.com/office/powerpoint/2010/main"/>
+  <p:transition xmlns:p14="http://schemas.microsoft.com/office/powerpoint/2010/main" spd="slow" advClick="0">
+    <p:fade/>
+  </p:transition>
   <p:timing>
     <p:tnLst>
       <p:par>
@@ -7019,6 +9132,9 @@
                     <p:cTn id="3" fill="hold">
                       <p:stCondLst>
                         <p:cond delay="indefinite"/>
+                        <p:cond evt="onBegin" delay="0">
+                          <p:tn val="2"/>
+                        </p:cond>
                       </p:stCondLst>
                       <p:childTnLst>
                         <p:par>
@@ -7028,7 +9144,7 @@
                             </p:stCondLst>
                             <p:childTnLst>
                               <p:par>
-                                <p:cTn id="5" presetID="22" presetClass="entr" presetSubtype="8" fill="hold" nodeType="clickEffect">
+                                <p:cTn id="5" presetID="10" presetClass="entr" presetSubtype="0" fill="hold" grpId="0" nodeType="afterEffect">
                                   <p:stCondLst>
                                     <p:cond delay="0"/>
                                   </p:stCondLst>
@@ -7036,59 +9152,6 @@
                                     <p:set>
                                       <p:cBhvr>
                                         <p:cTn id="6" dur="1" fill="hold">
-                                          <p:stCondLst>
-                                            <p:cond delay="0"/>
-                                          </p:stCondLst>
-                                        </p:cTn>
-                                        <p:tgtEl>
-                                          <p:spTgt spid="2"/>
-                                        </p:tgtEl>
-                                        <p:attrNameLst>
-                                          <p:attrName>style.visibility</p:attrName>
-                                        </p:attrNameLst>
-                                      </p:cBhvr>
-                                      <p:to>
-                                        <p:strVal val="visible"/>
-                                      </p:to>
-                                    </p:set>
-                                    <p:animEffect transition="in" filter="wipe(left)">
-                                      <p:cBhvr>
-                                        <p:cTn id="7" dur="1000"/>
-                                        <p:tgtEl>
-                                          <p:spTgt spid="2"/>
-                                        </p:tgtEl>
-                                      </p:cBhvr>
-                                    </p:animEffect>
-                                  </p:childTnLst>
-                                </p:cTn>
-                              </p:par>
-                            </p:childTnLst>
-                          </p:cTn>
-                        </p:par>
-                      </p:childTnLst>
-                    </p:cTn>
-                  </p:par>
-                  <p:par>
-                    <p:cTn id="8" fill="hold">
-                      <p:stCondLst>
-                        <p:cond delay="indefinite"/>
-                      </p:stCondLst>
-                      <p:childTnLst>
-                        <p:par>
-                          <p:cTn id="9" fill="hold">
-                            <p:stCondLst>
-                              <p:cond delay="0"/>
-                            </p:stCondLst>
-                            <p:childTnLst>
-                              <p:par>
-                                <p:cTn id="10" presetID="10" presetClass="entr" presetSubtype="0" fill="hold" grpId="0" nodeType="clickEffect">
-                                  <p:stCondLst>
-                                    <p:cond delay="0"/>
-                                  </p:stCondLst>
-                                  <p:childTnLst>
-                                    <p:set>
-                                      <p:cBhvr>
-                                        <p:cTn id="11" dur="1" fill="hold">
                                           <p:stCondLst>
                                             <p:cond delay="0"/>
                                           </p:stCondLst>
@@ -7106,7 +9169,7 @@
                                     </p:set>
                                     <p:animEffect transition="in" filter="fade">
                                       <p:cBhvr>
-                                        <p:cTn id="12" dur="500"/>
+                                        <p:cTn id="7" dur="500"/>
                                         <p:tgtEl>
                                           <p:spTgt spid="8"/>
                                         </p:tgtEl>
@@ -7185,11 +9248,11 @@
           <a:p>
             <a:r>
               <a:rPr lang="en-US" dirty="0" err="1" smtClean="0"/>
-              <a:t>lec</a:t>
+              <a:t>genfuncintro</a:t>
             </a:r>
             <a:r>
               <a:rPr lang="en-US" dirty="0" smtClean="0"/>
-              <a:t> 11M.</a:t>
+              <a:t>.</a:t>
             </a:r>
             <a:fld id="{ABE16930-C7CC-4A6F-941E-7E241FFA49FB}" type="slidenum">
               <a:rPr lang="en-US" smtClean="0"/>
@@ -7355,7 +9418,9 @@
   <p:clrMapOvr>
     <a:masterClrMapping/>
   </p:clrMapOvr>
-  <p:transition xmlns:p14="http://schemas.microsoft.com/office/powerpoint/2010/main"/>
+  <p:transition xmlns:p14="http://schemas.microsoft.com/office/powerpoint/2010/main" spd="slow" advClick="0">
+    <p:fade/>
+  </p:transition>
   <p:timing>
     <p:tnLst>
       <p:par>
@@ -7930,11 +9995,11 @@
           <a:p>
             <a:r>
               <a:rPr lang="en-US" dirty="0" err="1" smtClean="0"/>
-              <a:t>lec</a:t>
+              <a:t>genfuncintro</a:t>
             </a:r>
             <a:r>
               <a:rPr lang="en-US" dirty="0" smtClean="0"/>
-              <a:t> 11M.</a:t>
+              <a:t>.</a:t>
             </a:r>
             <a:fld id="{352FCCE4-BE3A-4FE8-9C7F-346C1706D930}" type="slidenum">
               <a:rPr lang="en-US" smtClean="0"/>
@@ -8107,7 +10172,7 @@
   <p:clrMapOvr>
     <a:masterClrMapping/>
   </p:clrMapOvr>
-  <p:transition xmlns:p14="http://schemas.microsoft.com/office/powerpoint/2010/main" spd="slow">
+  <p:transition xmlns:p14="http://schemas.microsoft.com/office/powerpoint/2010/main" spd="slow" advClick="0">
     <p:fade thruBlk="1"/>
   </p:transition>
   <p:timing>
@@ -8330,7 +10395,7 @@
           <a:graphicData uri="http://schemas.openxmlformats.org/presentationml/2006/ole">
             <mc:AlternateContent xmlns:mc="http://schemas.openxmlformats.org/markup-compatibility/2006">
               <mc:Choice xmlns:v="urn:schemas-microsoft-com:vml" Requires="v">
-                <p:oleObj spid="_x0000_s81017" name="Equation" r:id="rId4" imgW="3441700" imgH="838200" progId="Equation.3">
+                <p:oleObj spid="_x0000_s81034" name="Equation" r:id="rId4" imgW="3441700" imgH="838200" progId="Equation.3">
                   <p:embed/>
                 </p:oleObj>
               </mc:Choice>
@@ -8398,11 +10463,11 @@
             </a:pPr>
             <a:r>
               <a:rPr lang="en-US" dirty="0" err="1" smtClean="0"/>
-              <a:t>lec</a:t>
+              <a:t>genfuncintro</a:t>
             </a:r>
             <a:r>
               <a:rPr lang="en-US" dirty="0" smtClean="0"/>
-              <a:t> 11M.</a:t>
+              <a:t>.</a:t>
             </a:r>
             <a:fld id="{167FB316-D213-489C-8FDE-91E3356C5A60}" type="slidenum">
               <a:rPr lang="en-US" smtClean="0"/>
@@ -8437,7 +10502,7 @@
           <a:graphicData uri="http://schemas.openxmlformats.org/presentationml/2006/ole">
             <mc:AlternateContent xmlns:mc="http://schemas.openxmlformats.org/markup-compatibility/2006">
               <mc:Choice xmlns:v="urn:schemas-microsoft-com:vml" Requires="v">
-                <p:oleObj spid="_x0000_s81018" name="Equation" r:id="rId6" imgW="3060700" imgH="1092200" progId="Equation.3">
+                <p:oleObj spid="_x0000_s81035" name="Equation" r:id="rId6" imgW="3060700" imgH="1092200" progId="Equation.3">
                   <p:embed/>
                 </p:oleObj>
               </mc:Choice>
@@ -8545,7 +10610,7 @@
             <a:graphicData uri="http://schemas.openxmlformats.org/presentationml/2006/ole">
               <mc:AlternateContent xmlns:mc="http://schemas.openxmlformats.org/markup-compatibility/2006">
                 <mc:Choice xmlns:v="urn:schemas-microsoft-com:vml" Requires="v">
-                  <p:oleObj spid="_x0000_s81019" name="Equation" r:id="rId8" imgW="1066680" imgH="342720" progId="Equation.DSMT4">
+                  <p:oleObj spid="_x0000_s81036" name="Equation" r:id="rId8" imgW="1066680" imgH="342720" progId="Equation.DSMT4">
                     <p:embed/>
                   </p:oleObj>
                 </mc:Choice>
@@ -8623,13 +10688,8 @@
             <a:pPr eaLnBrk="1" hangingPunct="1"/>
             <a:r>
               <a:rPr lang="en-US" dirty="0" smtClean="0"/>
-              <a:t>Infinite Geometric </a:t>
-            </a:r>
-            <a:r>
-              <a:rPr lang="en-US" dirty="0" smtClean="0"/>
-              <a:t>Series</a:t>
-            </a:r>
-            <a:endParaRPr lang="en-US" dirty="0" smtClean="0"/>
+              <a:t>Infinite Geometric Series</a:t>
+            </a:r>
           </a:p>
         </p:txBody>
       </p:sp>
@@ -8649,7 +10709,7 @@
           <a:graphicData uri="http://schemas.openxmlformats.org/presentationml/2006/ole">
             <mc:AlternateContent xmlns:mc="http://schemas.openxmlformats.org/markup-compatibility/2006">
               <mc:Choice xmlns:v="urn:schemas-microsoft-com:vml" Requires="v">
-                <p:oleObj spid="_x0000_s81020" name="Equation" r:id="rId10" imgW="1168400" imgH="1104900" progId="Equation.DSMT4">
+                <p:oleObj spid="_x0000_s81037" name="Equation" r:id="rId10" imgW="1168400" imgH="1104900" progId="Equation.DSMT4">
                   <p:embed/>
                 </p:oleObj>
               </mc:Choice>
@@ -8708,14 +10768,9 @@
   <p:clrMapOvr>
     <a:masterClrMapping/>
   </p:clrMapOvr>
-  <mc:AlternateContent xmlns:mc="http://schemas.openxmlformats.org/markup-compatibility/2006">
-    <mc:Choice xmlns:p14="http://schemas.microsoft.com/office/powerpoint/2010/main" Requires="p14">
-      <p:transition spd="slow" p14:dur="2000"/>
-    </mc:Choice>
-    <mc:Fallback>
-      <p:transition xmlns:p14="http://schemas.microsoft.com/office/powerpoint/2010/main" spd="slow"/>
-    </mc:Fallback>
-  </mc:AlternateContent>
+  <p:transition xmlns:p14="http://schemas.microsoft.com/office/powerpoint/2010/main" spd="slow" advClick="0">
+    <p:fade/>
+  </p:transition>
   <p:timing>
     <p:tnLst>
       <p:par>
@@ -9009,8 +11064,12 @@
               <a:defRPr/>
             </a:pPr>
             <a:r>
-              <a:rPr lang="en-US" smtClean="0"/>
-              <a:t>lec 11M.</a:t>
+              <a:rPr lang="en-US" dirty="0" err="1" smtClean="0"/>
+              <a:t>genfuncintro</a:t>
+            </a:r>
+            <a:r>
+              <a:rPr lang="en-US" dirty="0" smtClean="0"/>
+              <a:t>.</a:t>
             </a:r>
             <a:fld id="{167FB316-D213-489C-8FDE-91E3356C5A60}" type="slidenum">
               <a:rPr lang="en-US" smtClean="0"/>
@@ -9045,7 +11104,7 @@
           <a:graphicData uri="http://schemas.openxmlformats.org/presentationml/2006/ole">
             <mc:AlternateContent xmlns:mc="http://schemas.openxmlformats.org/markup-compatibility/2006">
               <mc:Choice xmlns:v="urn:schemas-microsoft-com:vml" Requires="v">
-                <p:oleObj spid="_x0000_s336914" name="Equation" r:id="rId3" imgW="1054100" imgH="330200" progId="Equation.DSMT4">
+                <p:oleObj spid="_x0000_s336925" name="Equation" r:id="rId3" imgW="1054100" imgH="330200" progId="Equation.DSMT4">
                   <p:embed/>
                 </p:oleObj>
               </mc:Choice>
@@ -9102,7 +11161,7 @@
           <a:graphicData uri="http://schemas.openxmlformats.org/presentationml/2006/ole">
             <mc:AlternateContent xmlns:mc="http://schemas.openxmlformats.org/markup-compatibility/2006">
               <mc:Choice xmlns:v="urn:schemas-microsoft-com:vml" Requires="v">
-                <p:oleObj spid="_x0000_s336915" name="Equation" r:id="rId5" imgW="914400" imgH="469900" progId="Equation.DSMT4">
+                <p:oleObj spid="_x0000_s336926" name="Equation" r:id="rId5" imgW="914400" imgH="469900" progId="Equation.DSMT4">
                   <p:embed/>
                 </p:oleObj>
               </mc:Choice>
@@ -9147,10 +11206,142 @@
   <p:clrMapOvr>
     <a:masterClrMapping/>
   </p:clrMapOvr>
+  <p:transition xmlns:p14="http://schemas.microsoft.com/office/powerpoint/2010/main" spd="slow" advClick="0">
+    <p:fade thruBlk="1"/>
+  </p:transition>
   <p:timing>
     <p:tnLst>
       <p:par>
-        <p:cTn xmlns:p14="http://schemas.microsoft.com/office/powerpoint/2010/main" id="1" dur="indefinite" restart="never" nodeType="tmRoot"/>
+        <p:cTn xmlns:p14="http://schemas.microsoft.com/office/powerpoint/2010/main" id="1" dur="indefinite" restart="never" nodeType="tmRoot">
+          <p:childTnLst>
+            <p:seq concurrent="1" nextAc="seek">
+              <p:cTn id="2" dur="indefinite" nodeType="mainSeq">
+                <p:childTnLst>
+                  <p:par>
+                    <p:cTn id="3" fill="hold">
+                      <p:stCondLst>
+                        <p:cond delay="indefinite"/>
+                      </p:stCondLst>
+                      <p:childTnLst>
+                        <p:par>
+                          <p:cTn id="4" fill="hold">
+                            <p:stCondLst>
+                              <p:cond delay="0"/>
+                            </p:stCondLst>
+                            <p:childTnLst>
+                              <p:par>
+                                <p:cTn id="5" presetID="10" presetClass="entr" presetSubtype="0" fill="hold" nodeType="clickEffect">
+                                  <p:stCondLst>
+                                    <p:cond delay="0"/>
+                                  </p:stCondLst>
+                                  <p:childTnLst>
+                                    <p:set>
+                                      <p:cBhvr>
+                                        <p:cTn id="6" dur="1" fill="hold">
+                                          <p:stCondLst>
+                                            <p:cond delay="0"/>
+                                          </p:stCondLst>
+                                        </p:cTn>
+                                        <p:tgtEl>
+                                          <p:spTgt spid="5"/>
+                                        </p:tgtEl>
+                                        <p:attrNameLst>
+                                          <p:attrName>style.visibility</p:attrName>
+                                        </p:attrNameLst>
+                                      </p:cBhvr>
+                                      <p:to>
+                                        <p:strVal val="visible"/>
+                                      </p:to>
+                                    </p:set>
+                                    <p:animEffect transition="in" filter="fade">
+                                      <p:cBhvr>
+                                        <p:cTn id="7" dur="500"/>
+                                        <p:tgtEl>
+                                          <p:spTgt spid="5"/>
+                                        </p:tgtEl>
+                                      </p:cBhvr>
+                                    </p:animEffect>
+                                  </p:childTnLst>
+                                </p:cTn>
+                              </p:par>
+                            </p:childTnLst>
+                          </p:cTn>
+                        </p:par>
+                      </p:childTnLst>
+                    </p:cTn>
+                  </p:par>
+                  <p:par>
+                    <p:cTn id="8" fill="hold">
+                      <p:stCondLst>
+                        <p:cond delay="indefinite"/>
+                      </p:stCondLst>
+                      <p:childTnLst>
+                        <p:par>
+                          <p:cTn id="9" fill="hold">
+                            <p:stCondLst>
+                              <p:cond delay="0"/>
+                            </p:stCondLst>
+                            <p:childTnLst>
+                              <p:par>
+                                <p:cTn id="10" presetID="10" presetClass="entr" presetSubtype="0" fill="hold" nodeType="clickEffect">
+                                  <p:stCondLst>
+                                    <p:cond delay="0"/>
+                                  </p:stCondLst>
+                                  <p:childTnLst>
+                                    <p:set>
+                                      <p:cBhvr>
+                                        <p:cTn id="11" dur="1" fill="hold">
+                                          <p:stCondLst>
+                                            <p:cond delay="0"/>
+                                          </p:stCondLst>
+                                        </p:cTn>
+                                        <p:tgtEl>
+                                          <p:spTgt spid="6"/>
+                                        </p:tgtEl>
+                                        <p:attrNameLst>
+                                          <p:attrName>style.visibility</p:attrName>
+                                        </p:attrNameLst>
+                                      </p:cBhvr>
+                                      <p:to>
+                                        <p:strVal val="visible"/>
+                                      </p:to>
+                                    </p:set>
+                                    <p:animEffect transition="in" filter="fade">
+                                      <p:cBhvr>
+                                        <p:cTn id="12" dur="500"/>
+                                        <p:tgtEl>
+                                          <p:spTgt spid="6"/>
+                                        </p:tgtEl>
+                                      </p:cBhvr>
+                                    </p:animEffect>
+                                  </p:childTnLst>
+                                </p:cTn>
+                              </p:par>
+                            </p:childTnLst>
+                          </p:cTn>
+                        </p:par>
+                      </p:childTnLst>
+                    </p:cTn>
+                  </p:par>
+                </p:childTnLst>
+              </p:cTn>
+              <p:prevCondLst>
+                <p:cond evt="onPrev" delay="0">
+                  <p:tgtEl>
+                    <p:sldTgt/>
+                  </p:tgtEl>
+                </p:cond>
+              </p:prevCondLst>
+              <p:nextCondLst>
+                <p:cond evt="onNext" delay="0">
+                  <p:tgtEl>
+                    <p:sldTgt/>
+                  </p:tgtEl>
+                </p:cond>
+              </p:nextCondLst>
+            </p:seq>
+          </p:childTnLst>
+        </p:cTn>
       </p:par>
     </p:tnLst>
   </p:timing>
@@ -9176,73 +11367,6 @@
       </p:grpSpPr>
       <p:sp>
         <p:nvSpPr>
-          <p:cNvPr id="10" name="Rectangle 9"/>
-          <p:cNvSpPr/>
-          <p:nvPr/>
-        </p:nvSpPr>
-        <p:spPr bwMode="auto">
-          <a:xfrm>
-            <a:off x="1143000" y="4495800"/>
-            <a:ext cx="6629400" cy="1828800"/>
-          </a:xfrm>
-          <a:prstGeom prst="rect">
-            <a:avLst/>
-          </a:prstGeom>
-          <a:solidFill>
-            <a:schemeClr val="accent1">
-              <a:alpha val="0"/>
-            </a:schemeClr>
-          </a:solidFill>
-          <a:ln w="41275" cap="flat" cmpd="sng" algn="ctr">
-            <a:solidFill>
-              <a:srgbClr val="FF00FF"/>
-            </a:solidFill>
-            <a:prstDash val="sysDash"/>
-            <a:round/>
-            <a:headEnd type="none" w="med" len="med"/>
-            <a:tailEnd type="none" w="med" len="med"/>
-          </a:ln>
-          <a:effectLst/>
-        </p:spPr>
-        <p:txBody>
-          <a:bodyPr vert="horz" wrap="square" lIns="91440" tIns="45720" rIns="91440" bIns="45720" numCol="1" rtlCol="0" anchor="t" anchorCtr="0" compatLnSpc="1">
-            <a:prstTxWarp prst="textNoShape">
-              <a:avLst/>
-            </a:prstTxWarp>
-          </a:bodyPr>
-          <a:lstStyle/>
-          <a:p>
-            <a:pPr marL="0" marR="0" indent="0" algn="l" defTabSz="914400" rtl="0" eaLnBrk="1" fontAlgn="base" latinLnBrk="0" hangingPunct="1">
-              <a:lnSpc>
-                <a:spcPct val="100000"/>
-              </a:lnSpc>
-              <a:spcBef>
-                <a:spcPct val="0"/>
-              </a:spcBef>
-              <a:spcAft>
-                <a:spcPct val="0"/>
-              </a:spcAft>
-              <a:buClrTx/>
-              <a:buSzTx/>
-              <a:buFontTx/>
-              <a:buNone/>
-              <a:tabLst/>
-            </a:pPr>
-            <a:endParaRPr kumimoji="0" lang="en-US" sz="4400" b="0" i="0" u="none" strike="noStrike" cap="none" normalizeH="0" baseline="0" smtClean="0">
-              <a:ln>
-                <a:noFill/>
-              </a:ln>
-              <a:solidFill>
-                <a:schemeClr val="tx1"/>
-              </a:solidFill>
-              <a:effectLst/>
-              <a:latin typeface="Comic Sans MS" pitchFamily="66" charset="0"/>
-            </a:endParaRPr>
-          </a:p>
-        </p:txBody>
-      </p:sp>
-      <p:sp>
-        <p:nvSpPr>
           <p:cNvPr id="3077" name="Rectangle 2"/>
           <p:cNvSpPr>
             <a:spLocks noGrp="1" noChangeArrowheads="1"/>
@@ -9259,13 +11383,8 @@
             <a:pPr eaLnBrk="1" hangingPunct="1"/>
             <a:r>
               <a:rPr lang="en-US" dirty="0" smtClean="0"/>
-              <a:t>Infinite Geometric </a:t>
-            </a:r>
-            <a:r>
-              <a:rPr lang="en-US" dirty="0" smtClean="0"/>
-              <a:t>Series</a:t>
-            </a:r>
-            <a:endParaRPr lang="en-US" dirty="0" smtClean="0"/>
+              <a:t>Infinite Geometric Series</a:t>
+            </a:r>
           </a:p>
         </p:txBody>
       </p:sp>
@@ -9292,11 +11411,11 @@
           <a:p>
             <a:r>
               <a:rPr lang="en-US" dirty="0" err="1" smtClean="0"/>
-              <a:t>lec</a:t>
+              <a:t>genfuncintro</a:t>
             </a:r>
             <a:r>
               <a:rPr lang="en-US" dirty="0" smtClean="0"/>
-              <a:t> 11M.</a:t>
+              <a:t>.</a:t>
             </a:r>
             <a:fld id="{B20F91F6-F4EE-490C-AA68-F15A44211122}" type="slidenum">
               <a:rPr lang="en-US" smtClean="0"/>
@@ -9329,7 +11448,7 @@
           <a:graphicData uri="http://schemas.openxmlformats.org/presentationml/2006/ole">
             <mc:AlternateContent xmlns:mc="http://schemas.openxmlformats.org/markup-compatibility/2006">
               <mc:Choice xmlns:v="urn:schemas-microsoft-com:vml" Requires="v">
-                <p:oleObj spid="_x0000_s335913" name="Equation" r:id="rId4" imgW="1828800" imgH="419100" progId="Equation.DSMT4">
+                <p:oleObj spid="_x0000_s335931" name="Equation" r:id="rId4" imgW="1828800" imgH="419100" progId="Equation.DSMT4">
                   <p:embed/>
                 </p:oleObj>
               </mc:Choice>
@@ -9403,25 +11522,25 @@
           <p:nvPr>
             <p:extLst>
               <p:ext uri="{D42A27DB-BD31-4B8C-83A1-F6EECF244321}">
-                <p14:modId xmlns:p14="http://schemas.microsoft.com/office/powerpoint/2010/main" val="3844591303"/>
+                <p14:modId xmlns:p14="http://schemas.microsoft.com/office/powerpoint/2010/main" val="3969781711"/>
               </p:ext>
             </p:extLst>
           </p:nvPr>
         </p:nvGraphicFramePr>
         <p:xfrm>
-          <a:off x="304800" y="2971800"/>
-          <a:ext cx="8355406" cy="1468437"/>
+          <a:off x="1524000" y="3276600"/>
+          <a:ext cx="5784850" cy="1016000"/>
         </p:xfrm>
         <a:graphic>
           <a:graphicData uri="http://schemas.openxmlformats.org/presentationml/2006/ole">
             <mc:AlternateContent xmlns:mc="http://schemas.openxmlformats.org/markup-compatibility/2006">
               <mc:Choice xmlns:v="urn:schemas-microsoft-com:vml" Requires="v">
-                <p:oleObj spid="_x0000_s335914" name="Equation" r:id="rId6" imgW="2527300" imgH="444500" progId="Equation.DSMT4">
+                <p:oleObj spid="_x0000_s335932" name="Equation" r:id="rId6" imgW="1371600" imgH="241300" progId="Equation.DSMT4">
                   <p:embed/>
                 </p:oleObj>
               </mc:Choice>
               <mc:Fallback>
-                <p:oleObj name="Equation" r:id="rId6" imgW="2527300" imgH="444500" progId="Equation.DSMT4">
+                <p:oleObj name="Equation" r:id="rId6" imgW="1371600" imgH="241300" progId="Equation.DSMT4">
                   <p:embed/>
                   <p:pic>
                     <p:nvPicPr>
@@ -9437,8 +11556,8 @@
                     </p:blipFill>
                     <p:spPr>
                       <a:xfrm>
-                        <a:off x="304800" y="2971800"/>
-                        <a:ext cx="8355406" cy="1468437"/>
+                        <a:off x="1524000" y="3276600"/>
+                        <a:ext cx="5784850" cy="1016000"/>
                       </a:xfrm>
                       <a:prstGeom prst="rect">
                         <a:avLst/>
@@ -9453,32 +11572,32 @@
       </p:graphicFrame>
       <p:graphicFrame>
         <p:nvGraphicFramePr>
-          <p:cNvPr id="9" name="Object 8"/>
+          <p:cNvPr id="3" name="Object 2"/>
           <p:cNvGraphicFramePr>
             <a:graphicFrameLocks noChangeAspect="1"/>
           </p:cNvGraphicFramePr>
           <p:nvPr>
             <p:extLst>
               <p:ext uri="{D42A27DB-BD31-4B8C-83A1-F6EECF244321}">
-                <p14:modId xmlns:p14="http://schemas.microsoft.com/office/powerpoint/2010/main" val="2542113037"/>
+                <p14:modId xmlns:p14="http://schemas.microsoft.com/office/powerpoint/2010/main" val="3182321036"/>
               </p:ext>
             </p:extLst>
           </p:nvPr>
         </p:nvGraphicFramePr>
         <p:xfrm>
-          <a:off x="1631950" y="4257675"/>
-          <a:ext cx="5880100" cy="2143125"/>
+          <a:off x="6019800" y="4038600"/>
+          <a:ext cx="2438400" cy="1741714"/>
         </p:xfrm>
         <a:graphic>
           <a:graphicData uri="http://schemas.openxmlformats.org/presentationml/2006/ole">
             <mc:AlternateContent xmlns:mc="http://schemas.openxmlformats.org/markup-compatibility/2006">
               <mc:Choice xmlns:v="urn:schemas-microsoft-com:vml" Requires="v">
-                <p:oleObj spid="_x0000_s335915" name="Equation" r:id="rId8" imgW="1358900" imgH="495300" progId="Equation.DSMT4">
+                <p:oleObj spid="_x0000_s335933" name="Equation" r:id="rId8" imgW="622300" imgH="444500" progId="Equation.DSMT4">
                   <p:embed/>
                 </p:oleObj>
               </mc:Choice>
               <mc:Fallback>
-                <p:oleObj name="Equation" r:id="rId8" imgW="1358900" imgH="495300" progId="Equation.DSMT4">
+                <p:oleObj name="Equation" r:id="rId8" imgW="622300" imgH="444500" progId="Equation.DSMT4">
                   <p:embed/>
                   <p:pic>
                     <p:nvPicPr>
@@ -9494,8 +11613,8 @@
                     </p:blipFill>
                     <p:spPr>
                       <a:xfrm>
-                        <a:off x="1631950" y="4257675"/>
-                        <a:ext cx="5880100" cy="2143125"/>
+                        <a:off x="6019800" y="4038600"/>
+                        <a:ext cx="2438400" cy="1741714"/>
                       </a:xfrm>
                       <a:prstGeom prst="rect">
                         <a:avLst/>
@@ -9518,13 +11637,200 @@
   <p:clrMapOvr>
     <a:masterClrMapping/>
   </p:clrMapOvr>
-  <p:transition xmlns:p14="http://schemas.microsoft.com/office/powerpoint/2010/main"/>
+  <p:transition xmlns:p14="http://schemas.microsoft.com/office/powerpoint/2010/main" spd="slow" advClick="0">
+    <p:fade/>
+  </p:transition>
   <p:timing>
     <p:tnLst>
       <p:par>
-        <p:cTn xmlns:p14="http://schemas.microsoft.com/office/powerpoint/2010/main" id="1" dur="indefinite" restart="never" nodeType="tmRoot"/>
+        <p:cTn xmlns:p14="http://schemas.microsoft.com/office/powerpoint/2010/main" id="1" dur="indefinite" restart="never" nodeType="tmRoot">
+          <p:childTnLst>
+            <p:seq concurrent="1" nextAc="seek">
+              <p:cTn id="2" dur="indefinite" nodeType="mainSeq">
+                <p:childTnLst>
+                  <p:par>
+                    <p:cTn id="3" fill="hold">
+                      <p:stCondLst>
+                        <p:cond delay="indefinite"/>
+                      </p:stCondLst>
+                      <p:childTnLst>
+                        <p:par>
+                          <p:cTn id="4" fill="hold">
+                            <p:stCondLst>
+                              <p:cond delay="0"/>
+                            </p:stCondLst>
+                            <p:childTnLst>
+                              <p:par>
+                                <p:cTn id="5" presetID="10" presetClass="entr" presetSubtype="0" fill="hold" grpId="0" nodeType="clickEffect">
+                                  <p:stCondLst>
+                                    <p:cond delay="0"/>
+                                  </p:stCondLst>
+                                  <p:childTnLst>
+                                    <p:set>
+                                      <p:cBhvr>
+                                        <p:cTn id="6" dur="1" fill="hold">
+                                          <p:stCondLst>
+                                            <p:cond delay="0"/>
+                                          </p:stCondLst>
+                                        </p:cTn>
+                                        <p:tgtEl>
+                                          <p:spTgt spid="7"/>
+                                        </p:tgtEl>
+                                        <p:attrNameLst>
+                                          <p:attrName>style.visibility</p:attrName>
+                                        </p:attrNameLst>
+                                      </p:cBhvr>
+                                      <p:to>
+                                        <p:strVal val="visible"/>
+                                      </p:to>
+                                    </p:set>
+                                    <p:animEffect transition="in" filter="fade">
+                                      <p:cBhvr>
+                                        <p:cTn id="7" dur="500"/>
+                                        <p:tgtEl>
+                                          <p:spTgt spid="7"/>
+                                        </p:tgtEl>
+                                      </p:cBhvr>
+                                    </p:animEffect>
+                                  </p:childTnLst>
+                                </p:cTn>
+                              </p:par>
+                            </p:childTnLst>
+                          </p:cTn>
+                        </p:par>
+                      </p:childTnLst>
+                    </p:cTn>
+                  </p:par>
+                  <p:par>
+                    <p:cTn id="8" fill="hold">
+                      <p:stCondLst>
+                        <p:cond delay="indefinite"/>
+                      </p:stCondLst>
+                      <p:childTnLst>
+                        <p:par>
+                          <p:cTn id="9" fill="hold">
+                            <p:stCondLst>
+                              <p:cond delay="0"/>
+                            </p:stCondLst>
+                            <p:childTnLst>
+                              <p:par>
+                                <p:cTn id="10" presetID="22" presetClass="entr" presetSubtype="8" fill="hold" nodeType="clickEffect">
+                                  <p:stCondLst>
+                                    <p:cond delay="0"/>
+                                  </p:stCondLst>
+                                  <p:childTnLst>
+                                    <p:set>
+                                      <p:cBhvr>
+                                        <p:cTn id="11" dur="1" fill="hold">
+                                          <p:stCondLst>
+                                            <p:cond delay="0"/>
+                                          </p:stCondLst>
+                                        </p:cTn>
+                                        <p:tgtEl>
+                                          <p:spTgt spid="18"/>
+                                        </p:tgtEl>
+                                        <p:attrNameLst>
+                                          <p:attrName>style.visibility</p:attrName>
+                                        </p:attrNameLst>
+                                      </p:cBhvr>
+                                      <p:to>
+                                        <p:strVal val="visible"/>
+                                      </p:to>
+                                    </p:set>
+                                    <p:animEffect transition="in" filter="wipe(left)">
+                                      <p:cBhvr>
+                                        <p:cTn id="12" dur="2000"/>
+                                        <p:tgtEl>
+                                          <p:spTgt spid="18"/>
+                                        </p:tgtEl>
+                                      </p:cBhvr>
+                                    </p:animEffect>
+                                  </p:childTnLst>
+                                </p:cTn>
+                              </p:par>
+                            </p:childTnLst>
+                          </p:cTn>
+                        </p:par>
+                      </p:childTnLst>
+                    </p:cTn>
+                  </p:par>
+                  <p:par>
+                    <p:cTn id="13" fill="hold">
+                      <p:stCondLst>
+                        <p:cond delay="indefinite"/>
+                      </p:stCondLst>
+                      <p:childTnLst>
+                        <p:par>
+                          <p:cTn id="14" fill="hold">
+                            <p:stCondLst>
+                              <p:cond delay="0"/>
+                            </p:stCondLst>
+                            <p:childTnLst>
+                              <p:par>
+                                <p:cTn id="15" presetID="10" presetClass="entr" presetSubtype="0" fill="hold" nodeType="clickEffect">
+                                  <p:stCondLst>
+                                    <p:cond delay="0"/>
+                                  </p:stCondLst>
+                                  <p:childTnLst>
+                                    <p:set>
+                                      <p:cBhvr>
+                                        <p:cTn id="16" dur="1" fill="hold">
+                                          <p:stCondLst>
+                                            <p:cond delay="0"/>
+                                          </p:stCondLst>
+                                        </p:cTn>
+                                        <p:tgtEl>
+                                          <p:spTgt spid="3"/>
+                                        </p:tgtEl>
+                                        <p:attrNameLst>
+                                          <p:attrName>style.visibility</p:attrName>
+                                        </p:attrNameLst>
+                                      </p:cBhvr>
+                                      <p:to>
+                                        <p:strVal val="visible"/>
+                                      </p:to>
+                                    </p:set>
+                                    <p:animEffect transition="in" filter="fade">
+                                      <p:cBhvr>
+                                        <p:cTn id="17" dur="500"/>
+                                        <p:tgtEl>
+                                          <p:spTgt spid="3"/>
+                                        </p:tgtEl>
+                                      </p:cBhvr>
+                                    </p:animEffect>
+                                  </p:childTnLst>
+                                </p:cTn>
+                              </p:par>
+                            </p:childTnLst>
+                          </p:cTn>
+                        </p:par>
+                      </p:childTnLst>
+                    </p:cTn>
+                  </p:par>
+                </p:childTnLst>
+              </p:cTn>
+              <p:prevCondLst>
+                <p:cond evt="onPrev" delay="0">
+                  <p:tgtEl>
+                    <p:sldTgt/>
+                  </p:tgtEl>
+                </p:cond>
+              </p:prevCondLst>
+              <p:nextCondLst>
+                <p:cond evt="onNext" delay="0">
+                  <p:tgtEl>
+                    <p:sldTgt/>
+                  </p:tgtEl>
+                </p:cond>
+              </p:nextCondLst>
+            </p:seq>
+          </p:childTnLst>
+        </p:cTn>
       </p:par>
     </p:tnLst>
+    <p:bldLst>
+      <p:bldP spid="7" grpId="0"/>
+    </p:bldLst>
   </p:timing>
 </p:sld>
 </file>
